--- a/archive_and_practice/Attempt5_REU_final/Figures/sampling.pptx
+++ b/archive_and_practice/Attempt5_REU_final/Figures/sampling.pptx
@@ -5,11 +5,7 @@
     <p:sldMasterId id="2147483648" r:id="rId1"/>
   </p:sldMasterIdLst>
   <p:sldIdLst>
-    <p:sldId id="256" r:id="rId2"/>
-    <p:sldId id="257" r:id="rId3"/>
-    <p:sldId id="258" r:id="rId4"/>
-    <p:sldId id="260" r:id="rId5"/>
-    <p:sldId id="259" r:id="rId6"/>
+    <p:sldId id="259" r:id="rId2"/>
   </p:sldIdLst>
   <p:sldSz cx="12192000" cy="6858000"/>
   <p:notesSz cx="6858000" cy="9144000"/>
@@ -263,7 +259,7 @@
           <a:p>
             <a:fld id="{0B1F5AC1-8606-4CD7-AA4E-C724948A05F2}" type="datetimeFigureOut">
               <a:rPr lang="en-US" smtClean="0"/>
-              <a:t>11/4/2020</a:t>
+              <a:t>1/29/2021</a:t>
             </a:fld>
             <a:endParaRPr lang="en-US"/>
           </a:p>
@@ -461,7 +457,7 @@
           <a:p>
             <a:fld id="{0B1F5AC1-8606-4CD7-AA4E-C724948A05F2}" type="datetimeFigureOut">
               <a:rPr lang="en-US" smtClean="0"/>
-              <a:t>11/4/2020</a:t>
+              <a:t>1/29/2021</a:t>
             </a:fld>
             <a:endParaRPr lang="en-US"/>
           </a:p>
@@ -669,7 +665,7 @@
           <a:p>
             <a:fld id="{0B1F5AC1-8606-4CD7-AA4E-C724948A05F2}" type="datetimeFigureOut">
               <a:rPr lang="en-US" smtClean="0"/>
-              <a:t>11/4/2020</a:t>
+              <a:t>1/29/2021</a:t>
             </a:fld>
             <a:endParaRPr lang="en-US"/>
           </a:p>
@@ -867,7 +863,7 @@
           <a:p>
             <a:fld id="{0B1F5AC1-8606-4CD7-AA4E-C724948A05F2}" type="datetimeFigureOut">
               <a:rPr lang="en-US" smtClean="0"/>
-              <a:t>11/4/2020</a:t>
+              <a:t>1/29/2021</a:t>
             </a:fld>
             <a:endParaRPr lang="en-US"/>
           </a:p>
@@ -1142,7 +1138,7 @@
           <a:p>
             <a:fld id="{0B1F5AC1-8606-4CD7-AA4E-C724948A05F2}" type="datetimeFigureOut">
               <a:rPr lang="en-US" smtClean="0"/>
-              <a:t>11/4/2020</a:t>
+              <a:t>1/29/2021</a:t>
             </a:fld>
             <a:endParaRPr lang="en-US"/>
           </a:p>
@@ -1407,7 +1403,7 @@
           <a:p>
             <a:fld id="{0B1F5AC1-8606-4CD7-AA4E-C724948A05F2}" type="datetimeFigureOut">
               <a:rPr lang="en-US" smtClean="0"/>
-              <a:t>11/4/2020</a:t>
+              <a:t>1/29/2021</a:t>
             </a:fld>
             <a:endParaRPr lang="en-US"/>
           </a:p>
@@ -1819,7 +1815,7 @@
           <a:p>
             <a:fld id="{0B1F5AC1-8606-4CD7-AA4E-C724948A05F2}" type="datetimeFigureOut">
               <a:rPr lang="en-US" smtClean="0"/>
-              <a:t>11/4/2020</a:t>
+              <a:t>1/29/2021</a:t>
             </a:fld>
             <a:endParaRPr lang="en-US"/>
           </a:p>
@@ -1960,7 +1956,7 @@
           <a:p>
             <a:fld id="{0B1F5AC1-8606-4CD7-AA4E-C724948A05F2}" type="datetimeFigureOut">
               <a:rPr lang="en-US" smtClean="0"/>
-              <a:t>11/4/2020</a:t>
+              <a:t>1/29/2021</a:t>
             </a:fld>
             <a:endParaRPr lang="en-US"/>
           </a:p>
@@ -2073,7 +2069,7 @@
           <a:p>
             <a:fld id="{0B1F5AC1-8606-4CD7-AA4E-C724948A05F2}" type="datetimeFigureOut">
               <a:rPr lang="en-US" smtClean="0"/>
-              <a:t>11/4/2020</a:t>
+              <a:t>1/29/2021</a:t>
             </a:fld>
             <a:endParaRPr lang="en-US"/>
           </a:p>
@@ -2384,7 +2380,7 @@
           <a:p>
             <a:fld id="{0B1F5AC1-8606-4CD7-AA4E-C724948A05F2}" type="datetimeFigureOut">
               <a:rPr lang="en-US" smtClean="0"/>
-              <a:t>11/4/2020</a:t>
+              <a:t>1/29/2021</a:t>
             </a:fld>
             <a:endParaRPr lang="en-US"/>
           </a:p>
@@ -2672,7 +2668,7 @@
           <a:p>
             <a:fld id="{0B1F5AC1-8606-4CD7-AA4E-C724948A05F2}" type="datetimeFigureOut">
               <a:rPr lang="en-US" smtClean="0"/>
-              <a:t>11/4/2020</a:t>
+              <a:t>1/29/2021</a:t>
             </a:fld>
             <a:endParaRPr lang="en-US"/>
           </a:p>
@@ -2913,7 +2909,7 @@
           <a:p>
             <a:fld id="{0B1F5AC1-8606-4CD7-AA4E-C724948A05F2}" type="datetimeFigureOut">
               <a:rPr lang="en-US" smtClean="0"/>
-              <a:t>11/4/2020</a:t>
+              <a:t>1/29/2021</a:t>
             </a:fld>
             <a:endParaRPr lang="en-US"/>
           </a:p>
@@ -3314,4990 +3310,6 @@
 </file>
 
 <file path=ppt/slides/slide1.xml><?xml version="1.0" encoding="utf-8"?>
-<p:sld xmlns:a="http://schemas.openxmlformats.org/drawingml/2006/main" xmlns:r="http://schemas.openxmlformats.org/officeDocument/2006/relationships" xmlns:p="http://schemas.openxmlformats.org/presentationml/2006/main">
-  <p:cSld>
-    <p:spTree>
-      <p:nvGrpSpPr>
-        <p:cNvPr id="1" name=""/>
-        <p:cNvGrpSpPr/>
-        <p:nvPr/>
-      </p:nvGrpSpPr>
-      <p:grpSpPr>
-        <a:xfrm>
-          <a:off x="0" y="0"/>
-          <a:ext cx="0" cy="0"/>
-          <a:chOff x="0" y="0"/>
-          <a:chExt cx="0" cy="0"/>
-        </a:xfrm>
-      </p:grpSpPr>
-      <p:sp>
-        <p:nvSpPr>
-          <p:cNvPr id="4" name="Oval 3">
-            <a:extLst>
-              <a:ext uri="{FF2B5EF4-FFF2-40B4-BE49-F238E27FC236}">
-                <a16:creationId xmlns:a16="http://schemas.microsoft.com/office/drawing/2014/main" id="{DF0EFD11-B5CF-4E0D-986D-9CEE805EDE97}"/>
-              </a:ext>
-            </a:extLst>
-          </p:cNvPr>
-          <p:cNvSpPr/>
-          <p:nvPr/>
-        </p:nvSpPr>
-        <p:spPr>
-          <a:xfrm>
-            <a:off x="1896442" y="814775"/>
-            <a:ext cx="359677" cy="341163"/>
-          </a:xfrm>
-          <a:prstGeom prst="ellipse">
-            <a:avLst/>
-          </a:prstGeom>
-          <a:solidFill>
-            <a:schemeClr val="accent1">
-              <a:lumMod val="40000"/>
-              <a:lumOff val="60000"/>
-            </a:schemeClr>
-          </a:solidFill>
-        </p:spPr>
-        <p:style>
-          <a:lnRef idx="2">
-            <a:schemeClr val="accent1">
-              <a:shade val="50000"/>
-            </a:schemeClr>
-          </a:lnRef>
-          <a:fillRef idx="1">
-            <a:schemeClr val="accent1"/>
-          </a:fillRef>
-          <a:effectRef idx="0">
-            <a:schemeClr val="accent1"/>
-          </a:effectRef>
-          <a:fontRef idx="minor">
-            <a:schemeClr val="lt1"/>
-          </a:fontRef>
-        </p:style>
-        <p:txBody>
-          <a:bodyPr rtlCol="0" anchor="ctr"/>
-          <a:lstStyle/>
-          <a:p>
-            <a:pPr algn="ctr"/>
-            <a:endParaRPr lang="en-US"/>
-          </a:p>
-        </p:txBody>
-      </p:sp>
-      <p:sp>
-        <p:nvSpPr>
-          <p:cNvPr id="5" name="Oval 4">
-            <a:extLst>
-              <a:ext uri="{FF2B5EF4-FFF2-40B4-BE49-F238E27FC236}">
-                <a16:creationId xmlns:a16="http://schemas.microsoft.com/office/drawing/2014/main" id="{48F32005-39D1-4A81-823D-C35A19FEC39C}"/>
-              </a:ext>
-            </a:extLst>
-          </p:cNvPr>
-          <p:cNvSpPr/>
-          <p:nvPr/>
-        </p:nvSpPr>
-        <p:spPr>
-          <a:xfrm>
-            <a:off x="2797730" y="665526"/>
-            <a:ext cx="682306" cy="639662"/>
-          </a:xfrm>
-          <a:prstGeom prst="ellipse">
-            <a:avLst/>
-          </a:prstGeom>
-          <a:solidFill>
-            <a:schemeClr val="accent1">
-              <a:lumMod val="40000"/>
-              <a:lumOff val="60000"/>
-            </a:schemeClr>
-          </a:solidFill>
-        </p:spPr>
-        <p:style>
-          <a:lnRef idx="2">
-            <a:schemeClr val="accent1">
-              <a:shade val="50000"/>
-            </a:schemeClr>
-          </a:lnRef>
-          <a:fillRef idx="1">
-            <a:schemeClr val="accent1"/>
-          </a:fillRef>
-          <a:effectRef idx="0">
-            <a:schemeClr val="accent1"/>
-          </a:effectRef>
-          <a:fontRef idx="minor">
-            <a:schemeClr val="lt1"/>
-          </a:fontRef>
-        </p:style>
-        <p:txBody>
-          <a:bodyPr rtlCol="0" anchor="ctr"/>
-          <a:lstStyle/>
-          <a:p>
-            <a:pPr algn="ctr"/>
-            <a:endParaRPr lang="en-US"/>
-          </a:p>
-        </p:txBody>
-      </p:sp>
-      <p:sp>
-        <p:nvSpPr>
-          <p:cNvPr id="6" name="Oval 5">
-            <a:extLst>
-              <a:ext uri="{FF2B5EF4-FFF2-40B4-BE49-F238E27FC236}">
-                <a16:creationId xmlns:a16="http://schemas.microsoft.com/office/drawing/2014/main" id="{DA243D67-E2E5-47D5-B91A-93D0E3AF3627}"/>
-              </a:ext>
-            </a:extLst>
-          </p:cNvPr>
-          <p:cNvSpPr/>
-          <p:nvPr/>
-        </p:nvSpPr>
-        <p:spPr>
-          <a:xfrm>
-            <a:off x="1752950" y="1507219"/>
-            <a:ext cx="682307" cy="639661"/>
-          </a:xfrm>
-          <a:prstGeom prst="ellipse">
-            <a:avLst/>
-          </a:prstGeom>
-          <a:solidFill>
-            <a:schemeClr val="accent1">
-              <a:lumMod val="40000"/>
-              <a:lumOff val="60000"/>
-            </a:schemeClr>
-          </a:solidFill>
-        </p:spPr>
-        <p:style>
-          <a:lnRef idx="2">
-            <a:schemeClr val="accent1">
-              <a:shade val="50000"/>
-            </a:schemeClr>
-          </a:lnRef>
-          <a:fillRef idx="1">
-            <a:schemeClr val="accent1"/>
-          </a:fillRef>
-          <a:effectRef idx="0">
-            <a:schemeClr val="accent1"/>
-          </a:effectRef>
-          <a:fontRef idx="minor">
-            <a:schemeClr val="lt1"/>
-          </a:fontRef>
-        </p:style>
-        <p:txBody>
-          <a:bodyPr rtlCol="0" anchor="ctr"/>
-          <a:lstStyle/>
-          <a:p>
-            <a:pPr algn="ctr"/>
-            <a:endParaRPr lang="en-US"/>
-          </a:p>
-        </p:txBody>
-      </p:sp>
-      <p:sp>
-        <p:nvSpPr>
-          <p:cNvPr id="7" name="Oval 6">
-            <a:extLst>
-              <a:ext uri="{FF2B5EF4-FFF2-40B4-BE49-F238E27FC236}">
-                <a16:creationId xmlns:a16="http://schemas.microsoft.com/office/drawing/2014/main" id="{2A80B9EE-51C3-4A76-B81E-657BF896D266}"/>
-              </a:ext>
-            </a:extLst>
-          </p:cNvPr>
-          <p:cNvSpPr/>
-          <p:nvPr/>
-        </p:nvSpPr>
-        <p:spPr>
-          <a:xfrm>
-            <a:off x="2797730" y="1507220"/>
-            <a:ext cx="682306" cy="639661"/>
-          </a:xfrm>
-          <a:prstGeom prst="ellipse">
-            <a:avLst/>
-          </a:prstGeom>
-          <a:solidFill>
-            <a:schemeClr val="accent1">
-              <a:lumMod val="40000"/>
-              <a:lumOff val="60000"/>
-            </a:schemeClr>
-          </a:solidFill>
-        </p:spPr>
-        <p:style>
-          <a:lnRef idx="2">
-            <a:schemeClr val="accent1">
-              <a:shade val="50000"/>
-            </a:schemeClr>
-          </a:lnRef>
-          <a:fillRef idx="1">
-            <a:schemeClr val="accent1"/>
-          </a:fillRef>
-          <a:effectRef idx="0">
-            <a:schemeClr val="accent1"/>
-          </a:effectRef>
-          <a:fontRef idx="minor">
-            <a:schemeClr val="lt1"/>
-          </a:fontRef>
-        </p:style>
-        <p:txBody>
-          <a:bodyPr rtlCol="0" anchor="ctr"/>
-          <a:lstStyle/>
-          <a:p>
-            <a:pPr algn="ctr"/>
-            <a:endParaRPr lang="en-US"/>
-          </a:p>
-        </p:txBody>
-      </p:sp>
-      <p:sp>
-        <p:nvSpPr>
-          <p:cNvPr id="8" name="Oval 7">
-            <a:extLst>
-              <a:ext uri="{FF2B5EF4-FFF2-40B4-BE49-F238E27FC236}">
-                <a16:creationId xmlns:a16="http://schemas.microsoft.com/office/drawing/2014/main" id="{73908722-8608-49E6-9DD6-5982792736D8}"/>
-              </a:ext>
-            </a:extLst>
-          </p:cNvPr>
-          <p:cNvSpPr/>
-          <p:nvPr/>
-        </p:nvSpPr>
-        <p:spPr>
-          <a:xfrm>
-            <a:off x="1513345" y="2348913"/>
-            <a:ext cx="2125211" cy="1990987"/>
-          </a:xfrm>
-          <a:prstGeom prst="ellipse">
-            <a:avLst/>
-          </a:prstGeom>
-          <a:solidFill>
-            <a:schemeClr val="accent1">
-              <a:lumMod val="40000"/>
-              <a:lumOff val="60000"/>
-            </a:schemeClr>
-          </a:solidFill>
-        </p:spPr>
-        <p:style>
-          <a:lnRef idx="2">
-            <a:schemeClr val="accent1">
-              <a:shade val="50000"/>
-            </a:schemeClr>
-          </a:lnRef>
-          <a:fillRef idx="1">
-            <a:schemeClr val="accent1"/>
-          </a:fillRef>
-          <a:effectRef idx="0">
-            <a:schemeClr val="accent1"/>
-          </a:effectRef>
-          <a:fontRef idx="minor">
-            <a:schemeClr val="lt1"/>
-          </a:fontRef>
-        </p:style>
-        <p:txBody>
-          <a:bodyPr rtlCol="0" anchor="ctr"/>
-          <a:lstStyle/>
-          <a:p>
-            <a:pPr algn="ctr"/>
-            <a:endParaRPr lang="en-US"/>
-          </a:p>
-        </p:txBody>
-      </p:sp>
-      <p:sp>
-        <p:nvSpPr>
-          <p:cNvPr id="9" name="Oval 8">
-            <a:extLst>
-              <a:ext uri="{FF2B5EF4-FFF2-40B4-BE49-F238E27FC236}">
-                <a16:creationId xmlns:a16="http://schemas.microsoft.com/office/drawing/2014/main" id="{27330F88-29E1-438F-AF64-9D183B7B42AE}"/>
-              </a:ext>
-            </a:extLst>
-          </p:cNvPr>
-          <p:cNvSpPr/>
-          <p:nvPr/>
-        </p:nvSpPr>
-        <p:spPr>
-          <a:xfrm>
-            <a:off x="6105344" y="615894"/>
-            <a:ext cx="916499" cy="882933"/>
-          </a:xfrm>
-          <a:prstGeom prst="ellipse">
-            <a:avLst/>
-          </a:prstGeom>
-          <a:solidFill>
-            <a:schemeClr val="accent1">
-              <a:lumMod val="40000"/>
-              <a:lumOff val="60000"/>
-            </a:schemeClr>
-          </a:solidFill>
-        </p:spPr>
-        <p:style>
-          <a:lnRef idx="2">
-            <a:schemeClr val="accent1">
-              <a:shade val="50000"/>
-            </a:schemeClr>
-          </a:lnRef>
-          <a:fillRef idx="1">
-            <a:schemeClr val="accent1"/>
-          </a:fillRef>
-          <a:effectRef idx="0">
-            <a:schemeClr val="accent1"/>
-          </a:effectRef>
-          <a:fontRef idx="minor">
-            <a:schemeClr val="lt1"/>
-          </a:fontRef>
-        </p:style>
-        <p:txBody>
-          <a:bodyPr rtlCol="0" anchor="ctr"/>
-          <a:lstStyle/>
-          <a:p>
-            <a:pPr algn="ctr"/>
-            <a:endParaRPr lang="en-US" dirty="0"/>
-          </a:p>
-        </p:txBody>
-      </p:sp>
-      <p:sp>
-        <p:nvSpPr>
-          <p:cNvPr id="10" name="Oval 9">
-            <a:extLst>
-              <a:ext uri="{FF2B5EF4-FFF2-40B4-BE49-F238E27FC236}">
-                <a16:creationId xmlns:a16="http://schemas.microsoft.com/office/drawing/2014/main" id="{63B44BD3-77AB-4AA9-8AF3-49DC29C00AD7}"/>
-              </a:ext>
-            </a:extLst>
-          </p:cNvPr>
-          <p:cNvSpPr/>
-          <p:nvPr/>
-        </p:nvSpPr>
-        <p:spPr>
-          <a:xfrm>
-            <a:off x="5032957" y="839241"/>
-            <a:ext cx="682306" cy="639661"/>
-          </a:xfrm>
-          <a:prstGeom prst="ellipse">
-            <a:avLst/>
-          </a:prstGeom>
-          <a:solidFill>
-            <a:schemeClr val="accent1">
-              <a:lumMod val="40000"/>
-              <a:lumOff val="60000"/>
-            </a:schemeClr>
-          </a:solidFill>
-        </p:spPr>
-        <p:style>
-          <a:lnRef idx="2">
-            <a:schemeClr val="accent1">
-              <a:shade val="50000"/>
-            </a:schemeClr>
-          </a:lnRef>
-          <a:fillRef idx="1">
-            <a:schemeClr val="accent1"/>
-          </a:fillRef>
-          <a:effectRef idx="0">
-            <a:schemeClr val="accent1"/>
-          </a:effectRef>
-          <a:fontRef idx="minor">
-            <a:schemeClr val="lt1"/>
-          </a:fontRef>
-        </p:style>
-        <p:txBody>
-          <a:bodyPr rtlCol="0" anchor="ctr"/>
-          <a:lstStyle/>
-          <a:p>
-            <a:pPr algn="ctr"/>
-            <a:endParaRPr lang="en-US"/>
-          </a:p>
-        </p:txBody>
-      </p:sp>
-      <p:sp>
-        <p:nvSpPr>
-          <p:cNvPr id="11" name="Oval 10">
-            <a:extLst>
-              <a:ext uri="{FF2B5EF4-FFF2-40B4-BE49-F238E27FC236}">
-                <a16:creationId xmlns:a16="http://schemas.microsoft.com/office/drawing/2014/main" id="{50C64CD4-961D-45D7-9560-DAB28C176AD3}"/>
-              </a:ext>
-            </a:extLst>
-          </p:cNvPr>
-          <p:cNvSpPr/>
-          <p:nvPr/>
-        </p:nvSpPr>
-        <p:spPr>
-          <a:xfrm>
-            <a:off x="4905114" y="1695973"/>
-            <a:ext cx="937992" cy="882238"/>
-          </a:xfrm>
-          <a:prstGeom prst="ellipse">
-            <a:avLst/>
-          </a:prstGeom>
-          <a:solidFill>
-            <a:schemeClr val="accent1">
-              <a:lumMod val="40000"/>
-              <a:lumOff val="60000"/>
-            </a:schemeClr>
-          </a:solidFill>
-        </p:spPr>
-        <p:style>
-          <a:lnRef idx="2">
-            <a:schemeClr val="accent1">
-              <a:shade val="50000"/>
-            </a:schemeClr>
-          </a:lnRef>
-          <a:fillRef idx="1">
-            <a:schemeClr val="accent1"/>
-          </a:fillRef>
-          <a:effectRef idx="0">
-            <a:schemeClr val="accent1"/>
-          </a:effectRef>
-          <a:fontRef idx="minor">
-            <a:schemeClr val="lt1"/>
-          </a:fontRef>
-        </p:style>
-        <p:txBody>
-          <a:bodyPr rtlCol="0" anchor="ctr"/>
-          <a:lstStyle/>
-          <a:p>
-            <a:pPr algn="ctr"/>
-            <a:endParaRPr lang="en-US"/>
-          </a:p>
-        </p:txBody>
-      </p:sp>
-      <p:sp>
-        <p:nvSpPr>
-          <p:cNvPr id="12" name="Oval 11">
-            <a:extLst>
-              <a:ext uri="{FF2B5EF4-FFF2-40B4-BE49-F238E27FC236}">
-                <a16:creationId xmlns:a16="http://schemas.microsoft.com/office/drawing/2014/main" id="{FEADF753-B6CD-4FF2-B1DF-6C7926ED6FAE}"/>
-              </a:ext>
-            </a:extLst>
-          </p:cNvPr>
-          <p:cNvSpPr/>
-          <p:nvPr/>
-        </p:nvSpPr>
-        <p:spPr>
-          <a:xfrm>
-            <a:off x="6094599" y="1695277"/>
-            <a:ext cx="937991" cy="882933"/>
-          </a:xfrm>
-          <a:prstGeom prst="ellipse">
-            <a:avLst/>
-          </a:prstGeom>
-          <a:solidFill>
-            <a:schemeClr val="accent1">
-              <a:lumMod val="40000"/>
-              <a:lumOff val="60000"/>
-            </a:schemeClr>
-          </a:solidFill>
-        </p:spPr>
-        <p:style>
-          <a:lnRef idx="2">
-            <a:schemeClr val="accent1">
-              <a:shade val="50000"/>
-            </a:schemeClr>
-          </a:lnRef>
-          <a:fillRef idx="1">
-            <a:schemeClr val="accent1"/>
-          </a:fillRef>
-          <a:effectRef idx="0">
-            <a:schemeClr val="accent1"/>
-          </a:effectRef>
-          <a:fontRef idx="minor">
-            <a:schemeClr val="lt1"/>
-          </a:fontRef>
-        </p:style>
-        <p:txBody>
-          <a:bodyPr rtlCol="0" anchor="ctr"/>
-          <a:lstStyle/>
-          <a:p>
-            <a:pPr algn="ctr"/>
-            <a:endParaRPr lang="en-US"/>
-          </a:p>
-        </p:txBody>
-      </p:sp>
-      <p:sp>
-        <p:nvSpPr>
-          <p:cNvPr id="13" name="Oval 12">
-            <a:extLst>
-              <a:ext uri="{FF2B5EF4-FFF2-40B4-BE49-F238E27FC236}">
-                <a16:creationId xmlns:a16="http://schemas.microsoft.com/office/drawing/2014/main" id="{A67626D2-0DD6-422E-A1F2-C42B34ADEE1F}"/>
-              </a:ext>
-            </a:extLst>
-          </p:cNvPr>
-          <p:cNvSpPr/>
-          <p:nvPr/>
-        </p:nvSpPr>
-        <p:spPr>
-          <a:xfrm>
-            <a:off x="5221100" y="2753684"/>
-            <a:ext cx="1554759" cy="1430323"/>
-          </a:xfrm>
-          <a:prstGeom prst="ellipse">
-            <a:avLst/>
-          </a:prstGeom>
-          <a:solidFill>
-            <a:schemeClr val="accent1">
-              <a:lumMod val="40000"/>
-              <a:lumOff val="60000"/>
-            </a:schemeClr>
-          </a:solidFill>
-        </p:spPr>
-        <p:style>
-          <a:lnRef idx="2">
-            <a:schemeClr val="accent1">
-              <a:shade val="50000"/>
-            </a:schemeClr>
-          </a:lnRef>
-          <a:fillRef idx="1">
-            <a:schemeClr val="accent1"/>
-          </a:fillRef>
-          <a:effectRef idx="0">
-            <a:schemeClr val="accent1"/>
-          </a:effectRef>
-          <a:fontRef idx="minor">
-            <a:schemeClr val="lt1"/>
-          </a:fontRef>
-        </p:style>
-        <p:txBody>
-          <a:bodyPr rtlCol="0" anchor="ctr"/>
-          <a:lstStyle/>
-          <a:p>
-            <a:pPr algn="ctr"/>
-            <a:endParaRPr lang="en-US"/>
-          </a:p>
-        </p:txBody>
-      </p:sp>
-      <p:sp>
-        <p:nvSpPr>
-          <p:cNvPr id="14" name="Oval 13">
-            <a:extLst>
-              <a:ext uri="{FF2B5EF4-FFF2-40B4-BE49-F238E27FC236}">
-                <a16:creationId xmlns:a16="http://schemas.microsoft.com/office/drawing/2014/main" id="{F690ED81-EE38-4AB5-8F0F-4F0BD370259C}"/>
-              </a:ext>
-            </a:extLst>
-          </p:cNvPr>
-          <p:cNvSpPr/>
-          <p:nvPr/>
-        </p:nvSpPr>
-        <p:spPr>
-          <a:xfrm>
-            <a:off x="8253367" y="851478"/>
-            <a:ext cx="1001088" cy="935372"/>
-          </a:xfrm>
-          <a:prstGeom prst="ellipse">
-            <a:avLst/>
-          </a:prstGeom>
-          <a:solidFill>
-            <a:schemeClr val="accent1">
-              <a:lumMod val="40000"/>
-              <a:lumOff val="60000"/>
-            </a:schemeClr>
-          </a:solidFill>
-        </p:spPr>
-        <p:style>
-          <a:lnRef idx="2">
-            <a:schemeClr val="accent1">
-              <a:shade val="50000"/>
-            </a:schemeClr>
-          </a:lnRef>
-          <a:fillRef idx="1">
-            <a:schemeClr val="accent1"/>
-          </a:fillRef>
-          <a:effectRef idx="0">
-            <a:schemeClr val="accent1"/>
-          </a:effectRef>
-          <a:fontRef idx="minor">
-            <a:schemeClr val="lt1"/>
-          </a:fontRef>
-        </p:style>
-        <p:txBody>
-          <a:bodyPr rtlCol="0" anchor="ctr"/>
-          <a:lstStyle/>
-          <a:p>
-            <a:pPr algn="ctr"/>
-            <a:endParaRPr lang="en-US"/>
-          </a:p>
-        </p:txBody>
-      </p:sp>
-      <p:sp>
-        <p:nvSpPr>
-          <p:cNvPr id="15" name="Oval 14">
-            <a:extLst>
-              <a:ext uri="{FF2B5EF4-FFF2-40B4-BE49-F238E27FC236}">
-                <a16:creationId xmlns:a16="http://schemas.microsoft.com/office/drawing/2014/main" id="{AD3A7D4F-5944-4E5F-93E5-A82C84A45963}"/>
-              </a:ext>
-            </a:extLst>
-          </p:cNvPr>
-          <p:cNvSpPr/>
-          <p:nvPr/>
-        </p:nvSpPr>
-        <p:spPr>
-          <a:xfrm>
-            <a:off x="9528491" y="851478"/>
-            <a:ext cx="1001088" cy="935372"/>
-          </a:xfrm>
-          <a:prstGeom prst="ellipse">
-            <a:avLst/>
-          </a:prstGeom>
-          <a:solidFill>
-            <a:schemeClr val="accent1">
-              <a:lumMod val="40000"/>
-              <a:lumOff val="60000"/>
-            </a:schemeClr>
-          </a:solidFill>
-        </p:spPr>
-        <p:style>
-          <a:lnRef idx="2">
-            <a:schemeClr val="accent1">
-              <a:shade val="50000"/>
-            </a:schemeClr>
-          </a:lnRef>
-          <a:fillRef idx="1">
-            <a:schemeClr val="accent1"/>
-          </a:fillRef>
-          <a:effectRef idx="0">
-            <a:schemeClr val="accent1"/>
-          </a:effectRef>
-          <a:fontRef idx="minor">
-            <a:schemeClr val="lt1"/>
-          </a:fontRef>
-        </p:style>
-        <p:txBody>
-          <a:bodyPr rtlCol="0" anchor="ctr"/>
-          <a:lstStyle/>
-          <a:p>
-            <a:pPr algn="ctr"/>
-            <a:endParaRPr lang="en-US"/>
-          </a:p>
-        </p:txBody>
-      </p:sp>
-      <p:sp>
-        <p:nvSpPr>
-          <p:cNvPr id="16" name="Oval 15">
-            <a:extLst>
-              <a:ext uri="{FF2B5EF4-FFF2-40B4-BE49-F238E27FC236}">
-                <a16:creationId xmlns:a16="http://schemas.microsoft.com/office/drawing/2014/main" id="{A66C46D3-0A66-4ED6-8773-7D255E4F0E0C}"/>
-              </a:ext>
-            </a:extLst>
-          </p:cNvPr>
-          <p:cNvSpPr/>
-          <p:nvPr/>
-        </p:nvSpPr>
-        <p:spPr>
-          <a:xfrm>
-            <a:off x="8253367" y="2041145"/>
-            <a:ext cx="1001088" cy="935372"/>
-          </a:xfrm>
-          <a:prstGeom prst="ellipse">
-            <a:avLst/>
-          </a:prstGeom>
-          <a:solidFill>
-            <a:schemeClr val="accent1">
-              <a:lumMod val="40000"/>
-              <a:lumOff val="60000"/>
-            </a:schemeClr>
-          </a:solidFill>
-        </p:spPr>
-        <p:style>
-          <a:lnRef idx="2">
-            <a:schemeClr val="accent1">
-              <a:shade val="50000"/>
-            </a:schemeClr>
-          </a:lnRef>
-          <a:fillRef idx="1">
-            <a:schemeClr val="accent1"/>
-          </a:fillRef>
-          <a:effectRef idx="0">
-            <a:schemeClr val="accent1"/>
-          </a:effectRef>
-          <a:fontRef idx="minor">
-            <a:schemeClr val="lt1"/>
-          </a:fontRef>
-        </p:style>
-        <p:txBody>
-          <a:bodyPr rtlCol="0" anchor="ctr"/>
-          <a:lstStyle/>
-          <a:p>
-            <a:pPr algn="ctr"/>
-            <a:endParaRPr lang="en-US"/>
-          </a:p>
-        </p:txBody>
-      </p:sp>
-      <p:sp>
-        <p:nvSpPr>
-          <p:cNvPr id="17" name="Oval 16">
-            <a:extLst>
-              <a:ext uri="{FF2B5EF4-FFF2-40B4-BE49-F238E27FC236}">
-                <a16:creationId xmlns:a16="http://schemas.microsoft.com/office/drawing/2014/main" id="{E67C4CFD-7079-4849-A043-61C637E75FD4}"/>
-              </a:ext>
-            </a:extLst>
-          </p:cNvPr>
-          <p:cNvSpPr/>
-          <p:nvPr/>
-        </p:nvSpPr>
-        <p:spPr>
-          <a:xfrm>
-            <a:off x="9528491" y="2024890"/>
-            <a:ext cx="1001088" cy="935372"/>
-          </a:xfrm>
-          <a:prstGeom prst="ellipse">
-            <a:avLst/>
-          </a:prstGeom>
-          <a:solidFill>
-            <a:schemeClr val="accent1">
-              <a:lumMod val="40000"/>
-              <a:lumOff val="60000"/>
-            </a:schemeClr>
-          </a:solidFill>
-        </p:spPr>
-        <p:style>
-          <a:lnRef idx="2">
-            <a:schemeClr val="accent1">
-              <a:shade val="50000"/>
-            </a:schemeClr>
-          </a:lnRef>
-          <a:fillRef idx="1">
-            <a:schemeClr val="accent1"/>
-          </a:fillRef>
-          <a:effectRef idx="0">
-            <a:schemeClr val="accent1"/>
-          </a:effectRef>
-          <a:fontRef idx="minor">
-            <a:schemeClr val="lt1"/>
-          </a:fontRef>
-        </p:style>
-        <p:txBody>
-          <a:bodyPr rtlCol="0" anchor="ctr"/>
-          <a:lstStyle/>
-          <a:p>
-            <a:pPr algn="ctr"/>
-            <a:endParaRPr lang="en-US"/>
-          </a:p>
-        </p:txBody>
-      </p:sp>
-      <p:sp>
-        <p:nvSpPr>
-          <p:cNvPr id="18" name="Oval 17">
-            <a:extLst>
-              <a:ext uri="{FF2B5EF4-FFF2-40B4-BE49-F238E27FC236}">
-                <a16:creationId xmlns:a16="http://schemas.microsoft.com/office/drawing/2014/main" id="{1650511D-1741-400E-AA71-BB7CB73DA799}"/>
-              </a:ext>
-            </a:extLst>
-          </p:cNvPr>
-          <p:cNvSpPr/>
-          <p:nvPr/>
-        </p:nvSpPr>
-        <p:spPr>
-          <a:xfrm>
-            <a:off x="8892326" y="3102177"/>
-            <a:ext cx="1001088" cy="964383"/>
-          </a:xfrm>
-          <a:prstGeom prst="ellipse">
-            <a:avLst/>
-          </a:prstGeom>
-          <a:solidFill>
-            <a:schemeClr val="accent1">
-              <a:lumMod val="40000"/>
-              <a:lumOff val="60000"/>
-            </a:schemeClr>
-          </a:solidFill>
-        </p:spPr>
-        <p:style>
-          <a:lnRef idx="2">
-            <a:schemeClr val="accent1">
-              <a:shade val="50000"/>
-            </a:schemeClr>
-          </a:lnRef>
-          <a:fillRef idx="1">
-            <a:schemeClr val="accent1"/>
-          </a:fillRef>
-          <a:effectRef idx="0">
-            <a:schemeClr val="accent1"/>
-          </a:effectRef>
-          <a:fontRef idx="minor">
-            <a:schemeClr val="lt1"/>
-          </a:fontRef>
-        </p:style>
-        <p:txBody>
-          <a:bodyPr rtlCol="0" anchor="ctr"/>
-          <a:lstStyle/>
-          <a:p>
-            <a:pPr algn="ctr"/>
-            <a:endParaRPr lang="en-US"/>
-          </a:p>
-        </p:txBody>
-      </p:sp>
-      <p:sp>
-        <p:nvSpPr>
-          <p:cNvPr id="20" name="TextBox 19">
-            <a:extLst>
-              <a:ext uri="{FF2B5EF4-FFF2-40B4-BE49-F238E27FC236}">
-                <a16:creationId xmlns:a16="http://schemas.microsoft.com/office/drawing/2014/main" id="{40E029EA-E95D-42C1-B898-B63CD919AE7D}"/>
-              </a:ext>
-            </a:extLst>
-          </p:cNvPr>
-          <p:cNvSpPr txBox="1"/>
-          <p:nvPr/>
-        </p:nvSpPr>
-        <p:spPr>
-          <a:xfrm>
-            <a:off x="1983056" y="4739780"/>
-            <a:ext cx="1359016" cy="369332"/>
-          </a:xfrm>
-          <a:prstGeom prst="rect">
-            <a:avLst/>
-          </a:prstGeom>
-          <a:noFill/>
-        </p:spPr>
-        <p:txBody>
-          <a:bodyPr wrap="square" rtlCol="0">
-            <a:spAutoFit/>
-          </a:bodyPr>
-          <a:lstStyle/>
-          <a:p>
-            <a:r>
-              <a:rPr lang="en-US" b="1" dirty="0">
-                <a:cs typeface="Times New Roman" panose="02020603050405020304" pitchFamily="18" charset="0"/>
-              </a:rPr>
-              <a:t>Scenario 1</a:t>
-            </a:r>
-          </a:p>
-        </p:txBody>
-      </p:sp>
-      <p:sp>
-        <p:nvSpPr>
-          <p:cNvPr id="21" name="TextBox 20">
-            <a:extLst>
-              <a:ext uri="{FF2B5EF4-FFF2-40B4-BE49-F238E27FC236}">
-                <a16:creationId xmlns:a16="http://schemas.microsoft.com/office/drawing/2014/main" id="{FF54D3C8-9922-4F70-90D5-107149BB4D18}"/>
-              </a:ext>
-            </a:extLst>
-          </p:cNvPr>
-          <p:cNvSpPr txBox="1"/>
-          <p:nvPr/>
-        </p:nvSpPr>
-        <p:spPr>
-          <a:xfrm>
-            <a:off x="5425836" y="4748169"/>
-            <a:ext cx="1359016" cy="369332"/>
-          </a:xfrm>
-          <a:prstGeom prst="rect">
-            <a:avLst/>
-          </a:prstGeom>
-          <a:noFill/>
-        </p:spPr>
-        <p:txBody>
-          <a:bodyPr wrap="square" rtlCol="0">
-            <a:spAutoFit/>
-          </a:bodyPr>
-          <a:lstStyle/>
-          <a:p>
-            <a:r>
-              <a:rPr lang="en-US" b="1" dirty="0">
-                <a:cs typeface="Times New Roman" panose="02020603050405020304" pitchFamily="18" charset="0"/>
-              </a:rPr>
-              <a:t>Scenario 5</a:t>
-            </a:r>
-          </a:p>
-        </p:txBody>
-      </p:sp>
-      <p:sp>
-        <p:nvSpPr>
-          <p:cNvPr id="22" name="TextBox 21">
-            <a:extLst>
-              <a:ext uri="{FF2B5EF4-FFF2-40B4-BE49-F238E27FC236}">
-                <a16:creationId xmlns:a16="http://schemas.microsoft.com/office/drawing/2014/main" id="{4E989DDB-6BBF-4BE5-A324-5128409DA746}"/>
-              </a:ext>
-            </a:extLst>
-          </p:cNvPr>
-          <p:cNvSpPr txBox="1"/>
-          <p:nvPr/>
-        </p:nvSpPr>
-        <p:spPr>
-          <a:xfrm>
-            <a:off x="8848983" y="4748169"/>
-            <a:ext cx="1359016" cy="369332"/>
-          </a:xfrm>
-          <a:prstGeom prst="rect">
-            <a:avLst/>
-          </a:prstGeom>
-          <a:noFill/>
-        </p:spPr>
-        <p:txBody>
-          <a:bodyPr wrap="square" rtlCol="0">
-            <a:spAutoFit/>
-          </a:bodyPr>
-          <a:lstStyle/>
-          <a:p>
-            <a:r>
-              <a:rPr lang="en-US" b="1" dirty="0">
-                <a:cs typeface="Times New Roman" panose="02020603050405020304" pitchFamily="18" charset="0"/>
-              </a:rPr>
-              <a:t>Scenario 9</a:t>
-            </a:r>
-          </a:p>
-        </p:txBody>
-      </p:sp>
-      <p:sp>
-        <p:nvSpPr>
-          <p:cNvPr id="23" name="TextBox 22">
-            <a:extLst>
-              <a:ext uri="{FF2B5EF4-FFF2-40B4-BE49-F238E27FC236}">
-                <a16:creationId xmlns:a16="http://schemas.microsoft.com/office/drawing/2014/main" id="{1CA4EA01-B819-4E86-B9F5-EA26C76E40AD}"/>
-              </a:ext>
-            </a:extLst>
-          </p:cNvPr>
-          <p:cNvSpPr txBox="1"/>
-          <p:nvPr/>
-        </p:nvSpPr>
-        <p:spPr>
-          <a:xfrm>
-            <a:off x="2233402" y="3159740"/>
-            <a:ext cx="670059" cy="369332"/>
-          </a:xfrm>
-          <a:prstGeom prst="rect">
-            <a:avLst/>
-          </a:prstGeom>
-          <a:noFill/>
-        </p:spPr>
-        <p:txBody>
-          <a:bodyPr wrap="square" rtlCol="0">
-            <a:spAutoFit/>
-          </a:bodyPr>
-          <a:lstStyle/>
-          <a:p>
-            <a:r>
-              <a:rPr lang="en-US" dirty="0">
-                <a:cs typeface="Times New Roman" panose="02020603050405020304" pitchFamily="18" charset="0"/>
-              </a:rPr>
-              <a:t>1170</a:t>
-            </a:r>
-          </a:p>
-        </p:txBody>
-      </p:sp>
-      <p:sp>
-        <p:nvSpPr>
-          <p:cNvPr id="25" name="TextBox 24">
-            <a:extLst>
-              <a:ext uri="{FF2B5EF4-FFF2-40B4-BE49-F238E27FC236}">
-                <a16:creationId xmlns:a16="http://schemas.microsoft.com/office/drawing/2014/main" id="{D61CDED8-C3E7-44FB-A85D-55D40341953B}"/>
-              </a:ext>
-            </a:extLst>
-          </p:cNvPr>
-          <p:cNvSpPr txBox="1"/>
-          <p:nvPr/>
-        </p:nvSpPr>
-        <p:spPr>
-          <a:xfrm>
-            <a:off x="2850515" y="1642383"/>
-            <a:ext cx="670059" cy="369332"/>
-          </a:xfrm>
-          <a:prstGeom prst="rect">
-            <a:avLst/>
-          </a:prstGeom>
-          <a:noFill/>
-        </p:spPr>
-        <p:txBody>
-          <a:bodyPr wrap="square" rtlCol="0">
-            <a:spAutoFit/>
-          </a:bodyPr>
-          <a:lstStyle/>
-          <a:p>
-            <a:r>
-              <a:rPr lang="en-US" dirty="0">
-                <a:cs typeface="Times New Roman" panose="02020603050405020304" pitchFamily="18" charset="0"/>
-              </a:rPr>
-              <a:t>100</a:t>
-            </a:r>
-          </a:p>
-        </p:txBody>
-      </p:sp>
-      <p:sp>
-        <p:nvSpPr>
-          <p:cNvPr id="26" name="TextBox 25">
-            <a:extLst>
-              <a:ext uri="{FF2B5EF4-FFF2-40B4-BE49-F238E27FC236}">
-                <a16:creationId xmlns:a16="http://schemas.microsoft.com/office/drawing/2014/main" id="{F0C8A508-F027-4006-893C-D325FD0275EB}"/>
-              </a:ext>
-            </a:extLst>
-          </p:cNvPr>
-          <p:cNvSpPr txBox="1"/>
-          <p:nvPr/>
-        </p:nvSpPr>
-        <p:spPr>
-          <a:xfrm>
-            <a:off x="1809072" y="1633989"/>
-            <a:ext cx="670059" cy="369332"/>
-          </a:xfrm>
-          <a:prstGeom prst="rect">
-            <a:avLst/>
-          </a:prstGeom>
-          <a:noFill/>
-        </p:spPr>
-        <p:txBody>
-          <a:bodyPr wrap="square" rtlCol="0">
-            <a:spAutoFit/>
-          </a:bodyPr>
-          <a:lstStyle/>
-          <a:p>
-            <a:r>
-              <a:rPr lang="en-US" dirty="0">
-                <a:cs typeface="Times New Roman" panose="02020603050405020304" pitchFamily="18" charset="0"/>
-              </a:rPr>
-              <a:t>100</a:t>
-            </a:r>
-          </a:p>
-        </p:txBody>
-      </p:sp>
-      <p:sp>
-        <p:nvSpPr>
-          <p:cNvPr id="27" name="TextBox 26">
-            <a:extLst>
-              <a:ext uri="{FF2B5EF4-FFF2-40B4-BE49-F238E27FC236}">
-                <a16:creationId xmlns:a16="http://schemas.microsoft.com/office/drawing/2014/main" id="{E956452E-D479-45FB-9911-E84C0ABF0828}"/>
-              </a:ext>
-            </a:extLst>
-          </p:cNvPr>
-          <p:cNvSpPr txBox="1"/>
-          <p:nvPr/>
-        </p:nvSpPr>
-        <p:spPr>
-          <a:xfrm>
-            <a:off x="2859701" y="804761"/>
-            <a:ext cx="670059" cy="369332"/>
-          </a:xfrm>
-          <a:prstGeom prst="rect">
-            <a:avLst/>
-          </a:prstGeom>
-          <a:noFill/>
-        </p:spPr>
-        <p:txBody>
-          <a:bodyPr wrap="square" rtlCol="0">
-            <a:spAutoFit/>
-          </a:bodyPr>
-          <a:lstStyle/>
-          <a:p>
-            <a:r>
-              <a:rPr lang="en-US" dirty="0">
-                <a:cs typeface="Times New Roman" panose="02020603050405020304" pitchFamily="18" charset="0"/>
-              </a:rPr>
-              <a:t>100</a:t>
-            </a:r>
-          </a:p>
-        </p:txBody>
-      </p:sp>
-      <p:sp>
-        <p:nvSpPr>
-          <p:cNvPr id="28" name="TextBox 27">
-            <a:extLst>
-              <a:ext uri="{FF2B5EF4-FFF2-40B4-BE49-F238E27FC236}">
-                <a16:creationId xmlns:a16="http://schemas.microsoft.com/office/drawing/2014/main" id="{28F51614-8BA8-4656-AEE8-F29F96918EDC}"/>
-              </a:ext>
-            </a:extLst>
-          </p:cNvPr>
-          <p:cNvSpPr txBox="1"/>
-          <p:nvPr/>
-        </p:nvSpPr>
-        <p:spPr>
-          <a:xfrm>
-            <a:off x="1856865" y="800690"/>
-            <a:ext cx="670059" cy="369332"/>
-          </a:xfrm>
-          <a:prstGeom prst="rect">
-            <a:avLst/>
-          </a:prstGeom>
-          <a:noFill/>
-        </p:spPr>
-        <p:txBody>
-          <a:bodyPr wrap="square" rtlCol="0">
-            <a:spAutoFit/>
-          </a:bodyPr>
-          <a:lstStyle/>
-          <a:p>
-            <a:r>
-              <a:rPr lang="en-US" dirty="0">
-                <a:cs typeface="Times New Roman" panose="02020603050405020304" pitchFamily="18" charset="0"/>
-              </a:rPr>
-              <a:t>30</a:t>
-            </a:r>
-          </a:p>
-        </p:txBody>
-      </p:sp>
-      <p:sp>
-        <p:nvSpPr>
-          <p:cNvPr id="29" name="TextBox 28">
-            <a:extLst>
-              <a:ext uri="{FF2B5EF4-FFF2-40B4-BE49-F238E27FC236}">
-                <a16:creationId xmlns:a16="http://schemas.microsoft.com/office/drawing/2014/main" id="{3F3711D6-374E-4D5F-AC6B-4799FB2FD2CF}"/>
-              </a:ext>
-            </a:extLst>
-          </p:cNvPr>
-          <p:cNvSpPr txBox="1"/>
-          <p:nvPr/>
-        </p:nvSpPr>
-        <p:spPr>
-          <a:xfrm>
-            <a:off x="5715263" y="3279529"/>
-            <a:ext cx="670059" cy="369332"/>
-          </a:xfrm>
-          <a:prstGeom prst="rect">
-            <a:avLst/>
-          </a:prstGeom>
-          <a:noFill/>
-        </p:spPr>
-        <p:txBody>
-          <a:bodyPr wrap="square" rtlCol="0">
-            <a:spAutoFit/>
-          </a:bodyPr>
-          <a:lstStyle/>
-          <a:p>
-            <a:r>
-              <a:rPr lang="en-US" dirty="0">
-                <a:cs typeface="Times New Roman" panose="02020603050405020304" pitchFamily="18" charset="0"/>
-              </a:rPr>
-              <a:t>750</a:t>
-            </a:r>
-          </a:p>
-        </p:txBody>
-      </p:sp>
-      <p:sp>
-        <p:nvSpPr>
-          <p:cNvPr id="30" name="TextBox 29">
-            <a:extLst>
-              <a:ext uri="{FF2B5EF4-FFF2-40B4-BE49-F238E27FC236}">
-                <a16:creationId xmlns:a16="http://schemas.microsoft.com/office/drawing/2014/main" id="{F305B5E4-7AEF-4FF4-8032-95C8B4A2B4C4}"/>
-              </a:ext>
-            </a:extLst>
-          </p:cNvPr>
-          <p:cNvSpPr txBox="1"/>
-          <p:nvPr/>
-        </p:nvSpPr>
-        <p:spPr>
-          <a:xfrm>
-            <a:off x="6295173" y="1952077"/>
-            <a:ext cx="670059" cy="369332"/>
-          </a:xfrm>
-          <a:prstGeom prst="rect">
-            <a:avLst/>
-          </a:prstGeom>
-          <a:noFill/>
-        </p:spPr>
-        <p:txBody>
-          <a:bodyPr wrap="square" rtlCol="0">
-            <a:spAutoFit/>
-          </a:bodyPr>
-          <a:lstStyle/>
-          <a:p>
-            <a:r>
-              <a:rPr lang="en-US" dirty="0">
-                <a:cs typeface="Times New Roman" panose="02020603050405020304" pitchFamily="18" charset="0"/>
-              </a:rPr>
-              <a:t>200</a:t>
-            </a:r>
-          </a:p>
-        </p:txBody>
-      </p:sp>
-      <p:sp>
-        <p:nvSpPr>
-          <p:cNvPr id="31" name="TextBox 30">
-            <a:extLst>
-              <a:ext uri="{FF2B5EF4-FFF2-40B4-BE49-F238E27FC236}">
-                <a16:creationId xmlns:a16="http://schemas.microsoft.com/office/drawing/2014/main" id="{5C26E89A-F767-474D-850F-ACA7ADCD8A1B}"/>
-              </a:ext>
-            </a:extLst>
-          </p:cNvPr>
-          <p:cNvSpPr txBox="1"/>
-          <p:nvPr/>
-        </p:nvSpPr>
-        <p:spPr>
-          <a:xfrm>
-            <a:off x="5090806" y="1952077"/>
-            <a:ext cx="670059" cy="369332"/>
-          </a:xfrm>
-          <a:prstGeom prst="rect">
-            <a:avLst/>
-          </a:prstGeom>
-          <a:noFill/>
-        </p:spPr>
-        <p:txBody>
-          <a:bodyPr wrap="square" rtlCol="0">
-            <a:spAutoFit/>
-          </a:bodyPr>
-          <a:lstStyle/>
-          <a:p>
-            <a:r>
-              <a:rPr lang="en-US" dirty="0">
-                <a:cs typeface="Times New Roman" panose="02020603050405020304" pitchFamily="18" charset="0"/>
-              </a:rPr>
-              <a:t>200</a:t>
-            </a:r>
-          </a:p>
-        </p:txBody>
-      </p:sp>
-      <p:sp>
-        <p:nvSpPr>
-          <p:cNvPr id="32" name="TextBox 31">
-            <a:extLst>
-              <a:ext uri="{FF2B5EF4-FFF2-40B4-BE49-F238E27FC236}">
-                <a16:creationId xmlns:a16="http://schemas.microsoft.com/office/drawing/2014/main" id="{8D20A169-5577-4988-AA98-DDE7B4204E6C}"/>
-              </a:ext>
-            </a:extLst>
-          </p:cNvPr>
-          <p:cNvSpPr txBox="1"/>
-          <p:nvPr/>
-        </p:nvSpPr>
-        <p:spPr>
-          <a:xfrm>
-            <a:off x="6295174" y="872694"/>
-            <a:ext cx="670059" cy="369332"/>
-          </a:xfrm>
-          <a:prstGeom prst="rect">
-            <a:avLst/>
-          </a:prstGeom>
-          <a:noFill/>
-        </p:spPr>
-        <p:txBody>
-          <a:bodyPr wrap="square" rtlCol="0">
-            <a:spAutoFit/>
-          </a:bodyPr>
-          <a:lstStyle/>
-          <a:p>
-            <a:r>
-              <a:rPr lang="en-US" dirty="0">
-                <a:cs typeface="Times New Roman" panose="02020603050405020304" pitchFamily="18" charset="0"/>
-              </a:rPr>
-              <a:t>200</a:t>
-            </a:r>
-          </a:p>
-        </p:txBody>
-      </p:sp>
-      <p:sp>
-        <p:nvSpPr>
-          <p:cNvPr id="33" name="TextBox 32">
-            <a:extLst>
-              <a:ext uri="{FF2B5EF4-FFF2-40B4-BE49-F238E27FC236}">
-                <a16:creationId xmlns:a16="http://schemas.microsoft.com/office/drawing/2014/main" id="{D84202FD-B273-4211-8CC9-0D264EABAB7D}"/>
-              </a:ext>
-            </a:extLst>
-          </p:cNvPr>
-          <p:cNvSpPr txBox="1"/>
-          <p:nvPr/>
-        </p:nvSpPr>
-        <p:spPr>
-          <a:xfrm>
-            <a:off x="5096489" y="978382"/>
-            <a:ext cx="670059" cy="369332"/>
-          </a:xfrm>
-          <a:prstGeom prst="rect">
-            <a:avLst/>
-          </a:prstGeom>
-          <a:noFill/>
-        </p:spPr>
-        <p:txBody>
-          <a:bodyPr wrap="square" rtlCol="0">
-            <a:spAutoFit/>
-          </a:bodyPr>
-          <a:lstStyle/>
-          <a:p>
-            <a:r>
-              <a:rPr lang="en-US" dirty="0">
-                <a:cs typeface="Times New Roman" panose="02020603050405020304" pitchFamily="18" charset="0"/>
-              </a:rPr>
-              <a:t>150</a:t>
-            </a:r>
-          </a:p>
-        </p:txBody>
-      </p:sp>
-      <p:sp>
-        <p:nvSpPr>
-          <p:cNvPr id="34" name="TextBox 33">
-            <a:extLst>
-              <a:ext uri="{FF2B5EF4-FFF2-40B4-BE49-F238E27FC236}">
-                <a16:creationId xmlns:a16="http://schemas.microsoft.com/office/drawing/2014/main" id="{BB4D821E-AD2F-437F-8BAB-133E0CB83EAB}"/>
-              </a:ext>
-            </a:extLst>
-          </p:cNvPr>
-          <p:cNvSpPr txBox="1"/>
-          <p:nvPr/>
-        </p:nvSpPr>
-        <p:spPr>
-          <a:xfrm>
-            <a:off x="8458463" y="1120522"/>
-            <a:ext cx="590895" cy="369332"/>
-          </a:xfrm>
-          <a:prstGeom prst="rect">
-            <a:avLst/>
-          </a:prstGeom>
-          <a:noFill/>
-        </p:spPr>
-        <p:txBody>
-          <a:bodyPr wrap="square" rtlCol="0">
-            <a:spAutoFit/>
-          </a:bodyPr>
-          <a:lstStyle/>
-          <a:p>
-            <a:r>
-              <a:rPr lang="en-US" dirty="0">
-                <a:cs typeface="Times New Roman" panose="02020603050405020304" pitchFamily="18" charset="0"/>
-              </a:rPr>
-              <a:t>300</a:t>
-            </a:r>
-          </a:p>
-        </p:txBody>
-      </p:sp>
-      <p:sp>
-        <p:nvSpPr>
-          <p:cNvPr id="35" name="TextBox 34">
-            <a:extLst>
-              <a:ext uri="{FF2B5EF4-FFF2-40B4-BE49-F238E27FC236}">
-                <a16:creationId xmlns:a16="http://schemas.microsoft.com/office/drawing/2014/main" id="{A0615506-67B2-409A-A27B-8D3D7D7EBD49}"/>
-              </a:ext>
-            </a:extLst>
-          </p:cNvPr>
-          <p:cNvSpPr txBox="1"/>
-          <p:nvPr/>
-        </p:nvSpPr>
-        <p:spPr>
-          <a:xfrm>
-            <a:off x="9752634" y="1120522"/>
-            <a:ext cx="590895" cy="369332"/>
-          </a:xfrm>
-          <a:prstGeom prst="rect">
-            <a:avLst/>
-          </a:prstGeom>
-          <a:noFill/>
-        </p:spPr>
-        <p:txBody>
-          <a:bodyPr wrap="square" rtlCol="0">
-            <a:spAutoFit/>
-          </a:bodyPr>
-          <a:lstStyle/>
-          <a:p>
-            <a:r>
-              <a:rPr lang="en-US" dirty="0">
-                <a:cs typeface="Times New Roman" panose="02020603050405020304" pitchFamily="18" charset="0"/>
-              </a:rPr>
-              <a:t>300</a:t>
-            </a:r>
-          </a:p>
-        </p:txBody>
-      </p:sp>
-      <p:sp>
-        <p:nvSpPr>
-          <p:cNvPr id="36" name="TextBox 35">
-            <a:extLst>
-              <a:ext uri="{FF2B5EF4-FFF2-40B4-BE49-F238E27FC236}">
-                <a16:creationId xmlns:a16="http://schemas.microsoft.com/office/drawing/2014/main" id="{D272C806-33E9-4F51-96A4-35835A4CDA50}"/>
-              </a:ext>
-            </a:extLst>
-          </p:cNvPr>
-          <p:cNvSpPr txBox="1"/>
-          <p:nvPr/>
-        </p:nvSpPr>
-        <p:spPr>
-          <a:xfrm>
-            <a:off x="9733587" y="2307910"/>
-            <a:ext cx="590895" cy="369332"/>
-          </a:xfrm>
-          <a:prstGeom prst="rect">
-            <a:avLst/>
-          </a:prstGeom>
-          <a:noFill/>
-        </p:spPr>
-        <p:txBody>
-          <a:bodyPr wrap="square" rtlCol="0">
-            <a:spAutoFit/>
-          </a:bodyPr>
-          <a:lstStyle/>
-          <a:p>
-            <a:r>
-              <a:rPr lang="en-US" dirty="0">
-                <a:cs typeface="Times New Roman" panose="02020603050405020304" pitchFamily="18" charset="0"/>
-              </a:rPr>
-              <a:t>300</a:t>
-            </a:r>
-          </a:p>
-        </p:txBody>
-      </p:sp>
-      <p:sp>
-        <p:nvSpPr>
-          <p:cNvPr id="37" name="TextBox 36">
-            <a:extLst>
-              <a:ext uri="{FF2B5EF4-FFF2-40B4-BE49-F238E27FC236}">
-                <a16:creationId xmlns:a16="http://schemas.microsoft.com/office/drawing/2014/main" id="{0D42FE6B-9E4D-4A00-8303-B93E0CBF6F23}"/>
-              </a:ext>
-            </a:extLst>
-          </p:cNvPr>
-          <p:cNvSpPr txBox="1"/>
-          <p:nvPr/>
-        </p:nvSpPr>
-        <p:spPr>
-          <a:xfrm>
-            <a:off x="8472104" y="2307910"/>
-            <a:ext cx="590895" cy="369332"/>
-          </a:xfrm>
-          <a:prstGeom prst="rect">
-            <a:avLst/>
-          </a:prstGeom>
-          <a:noFill/>
-        </p:spPr>
-        <p:txBody>
-          <a:bodyPr wrap="square" rtlCol="0">
-            <a:spAutoFit/>
-          </a:bodyPr>
-          <a:lstStyle/>
-          <a:p>
-            <a:r>
-              <a:rPr lang="en-US" dirty="0">
-                <a:cs typeface="Times New Roman" panose="02020603050405020304" pitchFamily="18" charset="0"/>
-              </a:rPr>
-              <a:t>300</a:t>
-            </a:r>
-          </a:p>
-        </p:txBody>
-      </p:sp>
-      <p:sp>
-        <p:nvSpPr>
-          <p:cNvPr id="38" name="TextBox 37">
-            <a:extLst>
-              <a:ext uri="{FF2B5EF4-FFF2-40B4-BE49-F238E27FC236}">
-                <a16:creationId xmlns:a16="http://schemas.microsoft.com/office/drawing/2014/main" id="{15508739-92B6-4F89-929E-CE31B6241E72}"/>
-              </a:ext>
-            </a:extLst>
-          </p:cNvPr>
-          <p:cNvSpPr txBox="1"/>
-          <p:nvPr/>
-        </p:nvSpPr>
-        <p:spPr>
-          <a:xfrm>
-            <a:off x="9097422" y="3399702"/>
-            <a:ext cx="590895" cy="369332"/>
-          </a:xfrm>
-          <a:prstGeom prst="rect">
-            <a:avLst/>
-          </a:prstGeom>
-          <a:noFill/>
-        </p:spPr>
-        <p:txBody>
-          <a:bodyPr wrap="square" rtlCol="0">
-            <a:spAutoFit/>
-          </a:bodyPr>
-          <a:lstStyle/>
-          <a:p>
-            <a:r>
-              <a:rPr lang="en-US" dirty="0">
-                <a:cs typeface="Times New Roman" panose="02020603050405020304" pitchFamily="18" charset="0"/>
-              </a:rPr>
-              <a:t>300</a:t>
-            </a:r>
-          </a:p>
-        </p:txBody>
-      </p:sp>
-    </p:spTree>
-    <p:extLst>
-      <p:ext uri="{BB962C8B-B14F-4D97-AF65-F5344CB8AC3E}">
-        <p14:creationId xmlns:p14="http://schemas.microsoft.com/office/powerpoint/2010/main" val="2937336898"/>
-      </p:ext>
-    </p:extLst>
-  </p:cSld>
-  <p:clrMapOvr>
-    <a:masterClrMapping/>
-  </p:clrMapOvr>
-</p:sld>
-</file>
-
-<file path=ppt/slides/slide2.xml><?xml version="1.0" encoding="utf-8"?>
-<p:sld xmlns:a="http://schemas.openxmlformats.org/drawingml/2006/main" xmlns:r="http://schemas.openxmlformats.org/officeDocument/2006/relationships" xmlns:p="http://schemas.openxmlformats.org/presentationml/2006/main">
-  <p:cSld>
-    <p:spTree>
-      <p:nvGrpSpPr>
-        <p:cNvPr id="1" name=""/>
-        <p:cNvGrpSpPr/>
-        <p:nvPr/>
-      </p:nvGrpSpPr>
-      <p:grpSpPr>
-        <a:xfrm>
-          <a:off x="0" y="0"/>
-          <a:ext cx="0" cy="0"/>
-          <a:chOff x="0" y="0"/>
-          <a:chExt cx="0" cy="0"/>
-        </a:xfrm>
-      </p:grpSpPr>
-      <p:sp>
-        <p:nvSpPr>
-          <p:cNvPr id="4" name="Oval 3">
-            <a:extLst>
-              <a:ext uri="{FF2B5EF4-FFF2-40B4-BE49-F238E27FC236}">
-                <a16:creationId xmlns:a16="http://schemas.microsoft.com/office/drawing/2014/main" id="{EBA55097-DFDB-4701-BC8A-68725BA599F6}"/>
-              </a:ext>
-            </a:extLst>
-          </p:cNvPr>
-          <p:cNvSpPr/>
-          <p:nvPr/>
-        </p:nvSpPr>
-        <p:spPr>
-          <a:xfrm>
-            <a:off x="5638462" y="731754"/>
-            <a:ext cx="359677" cy="341163"/>
-          </a:xfrm>
-          <a:prstGeom prst="ellipse">
-            <a:avLst/>
-          </a:prstGeom>
-          <a:noFill/>
-          <a:ln>
-            <a:solidFill>
-              <a:schemeClr val="tx1"/>
-            </a:solidFill>
-          </a:ln>
-        </p:spPr>
-        <p:style>
-          <a:lnRef idx="2">
-            <a:schemeClr val="accent1">
-              <a:shade val="50000"/>
-            </a:schemeClr>
-          </a:lnRef>
-          <a:fillRef idx="1">
-            <a:schemeClr val="accent1"/>
-          </a:fillRef>
-          <a:effectRef idx="0">
-            <a:schemeClr val="accent1"/>
-          </a:effectRef>
-          <a:fontRef idx="minor">
-            <a:schemeClr val="lt1"/>
-          </a:fontRef>
-        </p:style>
-        <p:txBody>
-          <a:bodyPr rtlCol="0" anchor="ctr"/>
-          <a:lstStyle/>
-          <a:p>
-            <a:pPr algn="ctr"/>
-            <a:endParaRPr lang="en-US"/>
-          </a:p>
-        </p:txBody>
-      </p:sp>
-      <p:sp>
-        <p:nvSpPr>
-          <p:cNvPr id="5" name="Oval 4">
-            <a:extLst>
-              <a:ext uri="{FF2B5EF4-FFF2-40B4-BE49-F238E27FC236}">
-                <a16:creationId xmlns:a16="http://schemas.microsoft.com/office/drawing/2014/main" id="{565D082E-A9CA-4D29-865B-F313864386E3}"/>
-              </a:ext>
-            </a:extLst>
-          </p:cNvPr>
-          <p:cNvSpPr/>
-          <p:nvPr/>
-        </p:nvSpPr>
-        <p:spPr>
-          <a:xfrm>
-            <a:off x="5477149" y="1275658"/>
-            <a:ext cx="682306" cy="639662"/>
-          </a:xfrm>
-          <a:prstGeom prst="ellipse">
-            <a:avLst/>
-          </a:prstGeom>
-          <a:noFill/>
-          <a:ln>
-            <a:solidFill>
-              <a:schemeClr val="tx1"/>
-            </a:solidFill>
-          </a:ln>
-        </p:spPr>
-        <p:style>
-          <a:lnRef idx="2">
-            <a:schemeClr val="accent1">
-              <a:shade val="50000"/>
-            </a:schemeClr>
-          </a:lnRef>
-          <a:fillRef idx="1">
-            <a:schemeClr val="accent1"/>
-          </a:fillRef>
-          <a:effectRef idx="0">
-            <a:schemeClr val="accent1"/>
-          </a:effectRef>
-          <a:fontRef idx="minor">
-            <a:schemeClr val="lt1"/>
-          </a:fontRef>
-        </p:style>
-        <p:txBody>
-          <a:bodyPr rtlCol="0" anchor="ctr"/>
-          <a:lstStyle/>
-          <a:p>
-            <a:pPr algn="ctr"/>
-            <a:endParaRPr lang="en-US"/>
-          </a:p>
-        </p:txBody>
-      </p:sp>
-      <p:sp>
-        <p:nvSpPr>
-          <p:cNvPr id="6" name="Oval 5">
-            <a:extLst>
-              <a:ext uri="{FF2B5EF4-FFF2-40B4-BE49-F238E27FC236}">
-                <a16:creationId xmlns:a16="http://schemas.microsoft.com/office/drawing/2014/main" id="{AE264340-9B05-4E11-AE8A-A6E9B29291F6}"/>
-              </a:ext>
-            </a:extLst>
-          </p:cNvPr>
-          <p:cNvSpPr/>
-          <p:nvPr/>
-        </p:nvSpPr>
-        <p:spPr>
-          <a:xfrm>
-            <a:off x="5477148" y="2117175"/>
-            <a:ext cx="682307" cy="639661"/>
-          </a:xfrm>
-          <a:prstGeom prst="ellipse">
-            <a:avLst/>
-          </a:prstGeom>
-          <a:noFill/>
-          <a:ln>
-            <a:solidFill>
-              <a:schemeClr val="tx1"/>
-            </a:solidFill>
-          </a:ln>
-        </p:spPr>
-        <p:style>
-          <a:lnRef idx="2">
-            <a:schemeClr val="accent1">
-              <a:shade val="50000"/>
-            </a:schemeClr>
-          </a:lnRef>
-          <a:fillRef idx="1">
-            <a:schemeClr val="accent1"/>
-          </a:fillRef>
-          <a:effectRef idx="0">
-            <a:schemeClr val="accent1"/>
-          </a:effectRef>
-          <a:fontRef idx="minor">
-            <a:schemeClr val="lt1"/>
-          </a:fontRef>
-        </p:style>
-        <p:txBody>
-          <a:bodyPr rtlCol="0" anchor="ctr"/>
-          <a:lstStyle/>
-          <a:p>
-            <a:pPr algn="ctr"/>
-            <a:endParaRPr lang="en-US"/>
-          </a:p>
-        </p:txBody>
-      </p:sp>
-      <p:sp>
-        <p:nvSpPr>
-          <p:cNvPr id="7" name="Oval 6">
-            <a:extLst>
-              <a:ext uri="{FF2B5EF4-FFF2-40B4-BE49-F238E27FC236}">
-                <a16:creationId xmlns:a16="http://schemas.microsoft.com/office/drawing/2014/main" id="{50D356E4-F6E5-4A61-A7D2-1371FB9E59EC}"/>
-              </a:ext>
-            </a:extLst>
-          </p:cNvPr>
-          <p:cNvSpPr/>
-          <p:nvPr/>
-        </p:nvSpPr>
-        <p:spPr>
-          <a:xfrm>
-            <a:off x="5464560" y="2958515"/>
-            <a:ext cx="682306" cy="639661"/>
-          </a:xfrm>
-          <a:prstGeom prst="ellipse">
-            <a:avLst/>
-          </a:prstGeom>
-          <a:noFill/>
-          <a:ln>
-            <a:solidFill>
-              <a:schemeClr val="tx1"/>
-            </a:solidFill>
-          </a:ln>
-        </p:spPr>
-        <p:style>
-          <a:lnRef idx="2">
-            <a:schemeClr val="accent1">
-              <a:shade val="50000"/>
-            </a:schemeClr>
-          </a:lnRef>
-          <a:fillRef idx="1">
-            <a:schemeClr val="accent1"/>
-          </a:fillRef>
-          <a:effectRef idx="0">
-            <a:schemeClr val="accent1"/>
-          </a:effectRef>
-          <a:fontRef idx="minor">
-            <a:schemeClr val="lt1"/>
-          </a:fontRef>
-        </p:style>
-        <p:txBody>
-          <a:bodyPr rtlCol="0" anchor="ctr"/>
-          <a:lstStyle/>
-          <a:p>
-            <a:pPr algn="ctr"/>
-            <a:endParaRPr lang="en-US"/>
-          </a:p>
-        </p:txBody>
-      </p:sp>
-      <p:sp>
-        <p:nvSpPr>
-          <p:cNvPr id="8" name="Oval 7">
-            <a:extLst>
-              <a:ext uri="{FF2B5EF4-FFF2-40B4-BE49-F238E27FC236}">
-                <a16:creationId xmlns:a16="http://schemas.microsoft.com/office/drawing/2014/main" id="{9874C383-D52C-4E1D-BF35-C80FDA0FA99B}"/>
-              </a:ext>
-            </a:extLst>
-          </p:cNvPr>
-          <p:cNvSpPr/>
-          <p:nvPr/>
-        </p:nvSpPr>
-        <p:spPr>
-          <a:xfrm>
-            <a:off x="4743108" y="3800208"/>
-            <a:ext cx="2125211" cy="1990987"/>
-          </a:xfrm>
-          <a:prstGeom prst="ellipse">
-            <a:avLst/>
-          </a:prstGeom>
-          <a:noFill/>
-          <a:ln>
-            <a:solidFill>
-              <a:schemeClr val="tx1"/>
-            </a:solidFill>
-          </a:ln>
-        </p:spPr>
-        <p:style>
-          <a:lnRef idx="2">
-            <a:schemeClr val="accent1">
-              <a:shade val="50000"/>
-            </a:schemeClr>
-          </a:lnRef>
-          <a:fillRef idx="1">
-            <a:schemeClr val="accent1"/>
-          </a:fillRef>
-          <a:effectRef idx="0">
-            <a:schemeClr val="accent1"/>
-          </a:effectRef>
-          <a:fontRef idx="minor">
-            <a:schemeClr val="lt1"/>
-          </a:fontRef>
-        </p:style>
-        <p:txBody>
-          <a:bodyPr rtlCol="0" anchor="ctr"/>
-          <a:lstStyle/>
-          <a:p>
-            <a:pPr algn="ctr"/>
-            <a:endParaRPr lang="en-US"/>
-          </a:p>
-        </p:txBody>
-      </p:sp>
-      <p:sp>
-        <p:nvSpPr>
-          <p:cNvPr id="9" name="TextBox 8">
-            <a:extLst>
-              <a:ext uri="{FF2B5EF4-FFF2-40B4-BE49-F238E27FC236}">
-                <a16:creationId xmlns:a16="http://schemas.microsoft.com/office/drawing/2014/main" id="{88E5DEBB-AE02-4482-8142-A67077CDE9FD}"/>
-              </a:ext>
-            </a:extLst>
-          </p:cNvPr>
-          <p:cNvSpPr txBox="1"/>
-          <p:nvPr/>
-        </p:nvSpPr>
-        <p:spPr>
-          <a:xfrm>
-            <a:off x="5265681" y="6021699"/>
-            <a:ext cx="1359016" cy="400110"/>
-          </a:xfrm>
-          <a:prstGeom prst="rect">
-            <a:avLst/>
-          </a:prstGeom>
-          <a:noFill/>
-        </p:spPr>
-        <p:txBody>
-          <a:bodyPr wrap="square" rtlCol="0">
-            <a:spAutoFit/>
-          </a:bodyPr>
-          <a:lstStyle/>
-          <a:p>
-            <a:r>
-              <a:rPr lang="en-US" sz="2000" b="1" dirty="0">
-                <a:cs typeface="Times New Roman" panose="02020603050405020304" pitchFamily="18" charset="0"/>
-              </a:rPr>
-              <a:t>Scenario 1</a:t>
-            </a:r>
-          </a:p>
-        </p:txBody>
-      </p:sp>
-      <p:cxnSp>
-        <p:nvCxnSpPr>
-          <p:cNvPr id="11" name="Straight Arrow Connector 10">
-            <a:extLst>
-              <a:ext uri="{FF2B5EF4-FFF2-40B4-BE49-F238E27FC236}">
-                <a16:creationId xmlns:a16="http://schemas.microsoft.com/office/drawing/2014/main" id="{F2D1ABA5-986D-495C-86E3-3E666C86D430}"/>
-              </a:ext>
-            </a:extLst>
-          </p:cNvPr>
-          <p:cNvCxnSpPr/>
-          <p:nvPr/>
-        </p:nvCxnSpPr>
-        <p:spPr>
-          <a:xfrm flipH="1">
-            <a:off x="4862554" y="902335"/>
-            <a:ext cx="839430" cy="0"/>
-          </a:xfrm>
-          <a:prstGeom prst="straightConnector1">
-            <a:avLst/>
-          </a:prstGeom>
-          <a:ln>
-            <a:tailEnd type="triangle"/>
-          </a:ln>
-        </p:spPr>
-        <p:style>
-          <a:lnRef idx="1">
-            <a:schemeClr val="accent1"/>
-          </a:lnRef>
-          <a:fillRef idx="0">
-            <a:schemeClr val="accent1"/>
-          </a:fillRef>
-          <a:effectRef idx="0">
-            <a:schemeClr val="accent1"/>
-          </a:effectRef>
-          <a:fontRef idx="minor">
-            <a:schemeClr val="tx1"/>
-          </a:fontRef>
-        </p:style>
-      </p:cxnSp>
-      <p:cxnSp>
-        <p:nvCxnSpPr>
-          <p:cNvPr id="12" name="Straight Arrow Connector 11">
-            <a:extLst>
-              <a:ext uri="{FF2B5EF4-FFF2-40B4-BE49-F238E27FC236}">
-                <a16:creationId xmlns:a16="http://schemas.microsoft.com/office/drawing/2014/main" id="{0F05EC26-4D4D-49E7-BDA8-CA924750AB24}"/>
-              </a:ext>
-            </a:extLst>
-          </p:cNvPr>
-          <p:cNvCxnSpPr/>
-          <p:nvPr/>
-        </p:nvCxnSpPr>
-        <p:spPr>
-          <a:xfrm flipH="1">
-            <a:off x="4792043" y="1595489"/>
-            <a:ext cx="839430" cy="0"/>
-          </a:xfrm>
-          <a:prstGeom prst="straightConnector1">
-            <a:avLst/>
-          </a:prstGeom>
-          <a:ln>
-            <a:tailEnd type="triangle"/>
-          </a:ln>
-        </p:spPr>
-        <p:style>
-          <a:lnRef idx="1">
-            <a:schemeClr val="accent1"/>
-          </a:lnRef>
-          <a:fillRef idx="0">
-            <a:schemeClr val="accent1"/>
-          </a:fillRef>
-          <a:effectRef idx="0">
-            <a:schemeClr val="accent1"/>
-          </a:effectRef>
-          <a:fontRef idx="minor">
-            <a:schemeClr val="tx1"/>
-          </a:fontRef>
-        </p:style>
-      </p:cxnSp>
-      <p:cxnSp>
-        <p:nvCxnSpPr>
-          <p:cNvPr id="13" name="Straight Arrow Connector 12">
-            <a:extLst>
-              <a:ext uri="{FF2B5EF4-FFF2-40B4-BE49-F238E27FC236}">
-                <a16:creationId xmlns:a16="http://schemas.microsoft.com/office/drawing/2014/main" id="{5389A993-4949-473A-9F84-CF9201B3C4DB}"/>
-              </a:ext>
-            </a:extLst>
-          </p:cNvPr>
-          <p:cNvCxnSpPr/>
-          <p:nvPr/>
-        </p:nvCxnSpPr>
-        <p:spPr>
-          <a:xfrm flipH="1">
-            <a:off x="4743108" y="2437005"/>
-            <a:ext cx="839430" cy="0"/>
-          </a:xfrm>
-          <a:prstGeom prst="straightConnector1">
-            <a:avLst/>
-          </a:prstGeom>
-          <a:ln>
-            <a:tailEnd type="triangle"/>
-          </a:ln>
-        </p:spPr>
-        <p:style>
-          <a:lnRef idx="1">
-            <a:schemeClr val="accent1"/>
-          </a:lnRef>
-          <a:fillRef idx="0">
-            <a:schemeClr val="accent1"/>
-          </a:fillRef>
-          <a:effectRef idx="0">
-            <a:schemeClr val="accent1"/>
-          </a:effectRef>
-          <a:fontRef idx="minor">
-            <a:schemeClr val="tx1"/>
-          </a:fontRef>
-        </p:style>
-      </p:cxnSp>
-      <p:cxnSp>
-        <p:nvCxnSpPr>
-          <p:cNvPr id="14" name="Straight Arrow Connector 13">
-            <a:extLst>
-              <a:ext uri="{FF2B5EF4-FFF2-40B4-BE49-F238E27FC236}">
-                <a16:creationId xmlns:a16="http://schemas.microsoft.com/office/drawing/2014/main" id="{2E282CF3-3058-4847-9A8C-F97296C50992}"/>
-              </a:ext>
-            </a:extLst>
-          </p:cNvPr>
-          <p:cNvCxnSpPr/>
-          <p:nvPr/>
-        </p:nvCxnSpPr>
-        <p:spPr>
-          <a:xfrm flipH="1">
-            <a:off x="4743108" y="3278345"/>
-            <a:ext cx="839430" cy="0"/>
-          </a:xfrm>
-          <a:prstGeom prst="straightConnector1">
-            <a:avLst/>
-          </a:prstGeom>
-          <a:ln>
-            <a:tailEnd type="triangle"/>
-          </a:ln>
-        </p:spPr>
-        <p:style>
-          <a:lnRef idx="1">
-            <a:schemeClr val="accent1"/>
-          </a:lnRef>
-          <a:fillRef idx="0">
-            <a:schemeClr val="accent1"/>
-          </a:fillRef>
-          <a:effectRef idx="0">
-            <a:schemeClr val="accent1"/>
-          </a:effectRef>
-          <a:fontRef idx="minor">
-            <a:schemeClr val="tx1"/>
-          </a:fontRef>
-        </p:style>
-      </p:cxnSp>
-      <p:cxnSp>
-        <p:nvCxnSpPr>
-          <p:cNvPr id="15" name="Straight Arrow Connector 14">
-            <a:extLst>
-              <a:ext uri="{FF2B5EF4-FFF2-40B4-BE49-F238E27FC236}">
-                <a16:creationId xmlns:a16="http://schemas.microsoft.com/office/drawing/2014/main" id="{9F7BDD64-7D1A-49BB-B1A1-94C4A4D26ED8}"/>
-              </a:ext>
-            </a:extLst>
-          </p:cNvPr>
-          <p:cNvCxnSpPr/>
-          <p:nvPr/>
-        </p:nvCxnSpPr>
-        <p:spPr>
-          <a:xfrm flipH="1">
-            <a:off x="4023124" y="4795701"/>
-            <a:ext cx="839430" cy="0"/>
-          </a:xfrm>
-          <a:prstGeom prst="straightConnector1">
-            <a:avLst/>
-          </a:prstGeom>
-          <a:ln>
-            <a:tailEnd type="triangle"/>
-          </a:ln>
-        </p:spPr>
-        <p:style>
-          <a:lnRef idx="1">
-            <a:schemeClr val="accent1"/>
-          </a:lnRef>
-          <a:fillRef idx="0">
-            <a:schemeClr val="accent1"/>
-          </a:fillRef>
-          <a:effectRef idx="0">
-            <a:schemeClr val="accent1"/>
-          </a:effectRef>
-          <a:fontRef idx="minor">
-            <a:schemeClr val="tx1"/>
-          </a:fontRef>
-        </p:style>
-      </p:cxnSp>
-      <p:cxnSp>
-        <p:nvCxnSpPr>
-          <p:cNvPr id="17" name="Straight Arrow Connector 16">
-            <a:extLst>
-              <a:ext uri="{FF2B5EF4-FFF2-40B4-BE49-F238E27FC236}">
-                <a16:creationId xmlns:a16="http://schemas.microsoft.com/office/drawing/2014/main" id="{E01BEC86-C4C9-4DA3-B97C-E50EE685F5E7}"/>
-              </a:ext>
-            </a:extLst>
-          </p:cNvPr>
-          <p:cNvCxnSpPr>
-            <a:cxnSpLocks/>
-          </p:cNvCxnSpPr>
-          <p:nvPr/>
-        </p:nvCxnSpPr>
-        <p:spPr>
-          <a:xfrm flipV="1">
-            <a:off x="5940675" y="911415"/>
-            <a:ext cx="788555" cy="1"/>
-          </a:xfrm>
-          <a:prstGeom prst="straightConnector1">
-            <a:avLst/>
-          </a:prstGeom>
-          <a:ln>
-            <a:tailEnd type="triangle"/>
-          </a:ln>
-        </p:spPr>
-        <p:style>
-          <a:lnRef idx="1">
-            <a:schemeClr val="accent4"/>
-          </a:lnRef>
-          <a:fillRef idx="0">
-            <a:schemeClr val="accent4"/>
-          </a:fillRef>
-          <a:effectRef idx="0">
-            <a:schemeClr val="accent4"/>
-          </a:effectRef>
-          <a:fontRef idx="minor">
-            <a:schemeClr val="tx1"/>
-          </a:fontRef>
-        </p:style>
-      </p:cxnSp>
-      <p:cxnSp>
-        <p:nvCxnSpPr>
-          <p:cNvPr id="19" name="Straight Arrow Connector 18">
-            <a:extLst>
-              <a:ext uri="{FF2B5EF4-FFF2-40B4-BE49-F238E27FC236}">
-                <a16:creationId xmlns:a16="http://schemas.microsoft.com/office/drawing/2014/main" id="{E2DE908E-F375-4A37-A15C-4269296FB6B3}"/>
-              </a:ext>
-            </a:extLst>
-          </p:cNvPr>
-          <p:cNvCxnSpPr>
-            <a:cxnSpLocks/>
-          </p:cNvCxnSpPr>
-          <p:nvPr/>
-        </p:nvCxnSpPr>
-        <p:spPr>
-          <a:xfrm flipV="1">
-            <a:off x="6035565" y="1602404"/>
-            <a:ext cx="788555" cy="1"/>
-          </a:xfrm>
-          <a:prstGeom prst="straightConnector1">
-            <a:avLst/>
-          </a:prstGeom>
-          <a:ln>
-            <a:tailEnd type="triangle"/>
-          </a:ln>
-        </p:spPr>
-        <p:style>
-          <a:lnRef idx="1">
-            <a:schemeClr val="accent4"/>
-          </a:lnRef>
-          <a:fillRef idx="0">
-            <a:schemeClr val="accent4"/>
-          </a:fillRef>
-          <a:effectRef idx="0">
-            <a:schemeClr val="accent4"/>
-          </a:effectRef>
-          <a:fontRef idx="minor">
-            <a:schemeClr val="tx1"/>
-          </a:fontRef>
-        </p:style>
-      </p:cxnSp>
-      <p:cxnSp>
-        <p:nvCxnSpPr>
-          <p:cNvPr id="20" name="Straight Arrow Connector 19">
-            <a:extLst>
-              <a:ext uri="{FF2B5EF4-FFF2-40B4-BE49-F238E27FC236}">
-                <a16:creationId xmlns:a16="http://schemas.microsoft.com/office/drawing/2014/main" id="{8D3AB747-7AB4-46C2-9D76-7AD360592B53}"/>
-              </a:ext>
-            </a:extLst>
-          </p:cNvPr>
-          <p:cNvCxnSpPr>
-            <a:cxnSpLocks/>
-          </p:cNvCxnSpPr>
-          <p:nvPr/>
-        </p:nvCxnSpPr>
-        <p:spPr>
-          <a:xfrm flipV="1">
-            <a:off x="6035566" y="2439663"/>
-            <a:ext cx="788555" cy="1"/>
-          </a:xfrm>
-          <a:prstGeom prst="straightConnector1">
-            <a:avLst/>
-          </a:prstGeom>
-          <a:ln>
-            <a:tailEnd type="triangle"/>
-          </a:ln>
-        </p:spPr>
-        <p:style>
-          <a:lnRef idx="1">
-            <a:schemeClr val="accent4"/>
-          </a:lnRef>
-          <a:fillRef idx="0">
-            <a:schemeClr val="accent4"/>
-          </a:fillRef>
-          <a:effectRef idx="0">
-            <a:schemeClr val="accent4"/>
-          </a:effectRef>
-          <a:fontRef idx="minor">
-            <a:schemeClr val="tx1"/>
-          </a:fontRef>
-        </p:style>
-      </p:cxnSp>
-      <p:cxnSp>
-        <p:nvCxnSpPr>
-          <p:cNvPr id="21" name="Straight Arrow Connector 20">
-            <a:extLst>
-              <a:ext uri="{FF2B5EF4-FFF2-40B4-BE49-F238E27FC236}">
-                <a16:creationId xmlns:a16="http://schemas.microsoft.com/office/drawing/2014/main" id="{AC60D294-D5CE-4C5C-A9A2-0C0A67622C8F}"/>
-              </a:ext>
-            </a:extLst>
-          </p:cNvPr>
-          <p:cNvCxnSpPr>
-            <a:cxnSpLocks/>
-          </p:cNvCxnSpPr>
-          <p:nvPr/>
-        </p:nvCxnSpPr>
-        <p:spPr>
-          <a:xfrm flipV="1">
-            <a:off x="5998139" y="3284133"/>
-            <a:ext cx="788555" cy="1"/>
-          </a:xfrm>
-          <a:prstGeom prst="straightConnector1">
-            <a:avLst/>
-          </a:prstGeom>
-          <a:ln>
-            <a:tailEnd type="triangle"/>
-          </a:ln>
-        </p:spPr>
-        <p:style>
-          <a:lnRef idx="1">
-            <a:schemeClr val="accent4"/>
-          </a:lnRef>
-          <a:fillRef idx="0">
-            <a:schemeClr val="accent4"/>
-          </a:fillRef>
-          <a:effectRef idx="0">
-            <a:schemeClr val="accent4"/>
-          </a:effectRef>
-          <a:fontRef idx="minor">
-            <a:schemeClr val="tx1"/>
-          </a:fontRef>
-        </p:style>
-      </p:cxnSp>
-      <p:cxnSp>
-        <p:nvCxnSpPr>
-          <p:cNvPr id="22" name="Straight Arrow Connector 21">
-            <a:extLst>
-              <a:ext uri="{FF2B5EF4-FFF2-40B4-BE49-F238E27FC236}">
-                <a16:creationId xmlns:a16="http://schemas.microsoft.com/office/drawing/2014/main" id="{2D658355-DD56-4B9F-A24F-1B6B1B056EC1}"/>
-              </a:ext>
-            </a:extLst>
-          </p:cNvPr>
-          <p:cNvCxnSpPr>
-            <a:cxnSpLocks/>
-          </p:cNvCxnSpPr>
-          <p:nvPr/>
-        </p:nvCxnSpPr>
-        <p:spPr>
-          <a:xfrm flipV="1">
-            <a:off x="6668042" y="4795700"/>
-            <a:ext cx="788555" cy="1"/>
-          </a:xfrm>
-          <a:prstGeom prst="straightConnector1">
-            <a:avLst/>
-          </a:prstGeom>
-          <a:ln>
-            <a:tailEnd type="triangle"/>
-          </a:ln>
-        </p:spPr>
-        <p:style>
-          <a:lnRef idx="1">
-            <a:schemeClr val="accent4"/>
-          </a:lnRef>
-          <a:fillRef idx="0">
-            <a:schemeClr val="accent4"/>
-          </a:fillRef>
-          <a:effectRef idx="0">
-            <a:schemeClr val="accent4"/>
-          </a:effectRef>
-          <a:fontRef idx="minor">
-            <a:schemeClr val="tx1"/>
-          </a:fontRef>
-        </p:style>
-      </p:cxnSp>
-      <p:sp>
-        <p:nvSpPr>
-          <p:cNvPr id="31" name="TextBox 30">
-            <a:extLst>
-              <a:ext uri="{FF2B5EF4-FFF2-40B4-BE49-F238E27FC236}">
-                <a16:creationId xmlns:a16="http://schemas.microsoft.com/office/drawing/2014/main" id="{C65C5633-2BC6-4C2A-8EBB-302AEAF4F438}"/>
-              </a:ext>
-            </a:extLst>
-          </p:cNvPr>
-          <p:cNvSpPr txBox="1"/>
-          <p:nvPr/>
-        </p:nvSpPr>
-        <p:spPr>
-          <a:xfrm>
-            <a:off x="6334952" y="219147"/>
-            <a:ext cx="1788252" cy="461665"/>
-          </a:xfrm>
-          <a:prstGeom prst="rect">
-            <a:avLst/>
-          </a:prstGeom>
-          <a:noFill/>
-        </p:spPr>
-        <p:txBody>
-          <a:bodyPr wrap="square" rtlCol="0">
-            <a:spAutoFit/>
-          </a:bodyPr>
-          <a:lstStyle/>
-          <a:p>
-            <a:r>
-              <a:rPr lang="en-US" sz="2400" b="1" dirty="0">
-                <a:cs typeface="Times New Roman" panose="02020603050405020304" pitchFamily="18" charset="0"/>
-              </a:rPr>
-              <a:t>Proportional</a:t>
-            </a:r>
-          </a:p>
-        </p:txBody>
-      </p:sp>
-      <p:sp>
-        <p:nvSpPr>
-          <p:cNvPr id="32" name="TextBox 31">
-            <a:extLst>
-              <a:ext uri="{FF2B5EF4-FFF2-40B4-BE49-F238E27FC236}">
-                <a16:creationId xmlns:a16="http://schemas.microsoft.com/office/drawing/2014/main" id="{ABB31300-C9BD-4851-9C88-6D495387300A}"/>
-              </a:ext>
-            </a:extLst>
-          </p:cNvPr>
-          <p:cNvSpPr txBox="1"/>
-          <p:nvPr/>
-        </p:nvSpPr>
-        <p:spPr>
-          <a:xfrm>
-            <a:off x="4038569" y="219148"/>
-            <a:ext cx="1788252" cy="461665"/>
-          </a:xfrm>
-          <a:prstGeom prst="rect">
-            <a:avLst/>
-          </a:prstGeom>
-          <a:noFill/>
-        </p:spPr>
-        <p:txBody>
-          <a:bodyPr wrap="square" rtlCol="0">
-            <a:spAutoFit/>
-          </a:bodyPr>
-          <a:lstStyle/>
-          <a:p>
-            <a:r>
-              <a:rPr lang="en-US" sz="2400" b="1" dirty="0">
-                <a:cs typeface="Times New Roman" panose="02020603050405020304" pitchFamily="18" charset="0"/>
-              </a:rPr>
-              <a:t>Equal</a:t>
-            </a:r>
-          </a:p>
-        </p:txBody>
-      </p:sp>
-      <p:sp>
-        <p:nvSpPr>
-          <p:cNvPr id="33" name="TextBox 32">
-            <a:extLst>
-              <a:ext uri="{FF2B5EF4-FFF2-40B4-BE49-F238E27FC236}">
-                <a16:creationId xmlns:a16="http://schemas.microsoft.com/office/drawing/2014/main" id="{02FC8D94-6998-4DFB-AC78-185E7DD0906B}"/>
-              </a:ext>
-            </a:extLst>
-          </p:cNvPr>
-          <p:cNvSpPr txBox="1"/>
-          <p:nvPr/>
-        </p:nvSpPr>
-        <p:spPr>
-          <a:xfrm>
-            <a:off x="5595387" y="707876"/>
-            <a:ext cx="464723" cy="400110"/>
-          </a:xfrm>
-          <a:prstGeom prst="rect">
-            <a:avLst/>
-          </a:prstGeom>
-          <a:noFill/>
-        </p:spPr>
-        <p:txBody>
-          <a:bodyPr wrap="square" rtlCol="0">
-            <a:spAutoFit/>
-          </a:bodyPr>
-          <a:lstStyle/>
-          <a:p>
-            <a:r>
-              <a:rPr lang="en-US" sz="2000" dirty="0">
-                <a:cs typeface="Times New Roman" panose="02020603050405020304" pitchFamily="18" charset="0"/>
-              </a:rPr>
-              <a:t>30</a:t>
-            </a:r>
-            <a:endParaRPr lang="en-US" sz="1400" dirty="0">
-              <a:cs typeface="Times New Roman" panose="02020603050405020304" pitchFamily="18" charset="0"/>
-            </a:endParaRPr>
-          </a:p>
-        </p:txBody>
-      </p:sp>
-      <p:sp>
-        <p:nvSpPr>
-          <p:cNvPr id="34" name="TextBox 33">
-            <a:extLst>
-              <a:ext uri="{FF2B5EF4-FFF2-40B4-BE49-F238E27FC236}">
-                <a16:creationId xmlns:a16="http://schemas.microsoft.com/office/drawing/2014/main" id="{FEB3F6DC-BA17-4C22-8309-0F6E755251EC}"/>
-              </a:ext>
-            </a:extLst>
-          </p:cNvPr>
-          <p:cNvSpPr txBox="1"/>
-          <p:nvPr/>
-        </p:nvSpPr>
-        <p:spPr>
-          <a:xfrm>
-            <a:off x="5524939" y="1382823"/>
-            <a:ext cx="776859" cy="400110"/>
-          </a:xfrm>
-          <a:prstGeom prst="rect">
-            <a:avLst/>
-          </a:prstGeom>
-          <a:noFill/>
-        </p:spPr>
-        <p:txBody>
-          <a:bodyPr wrap="square" rtlCol="0">
-            <a:spAutoFit/>
-          </a:bodyPr>
-          <a:lstStyle/>
-          <a:p>
-            <a:r>
-              <a:rPr lang="en-US" sz="2000" dirty="0">
-                <a:cs typeface="Times New Roman" panose="02020603050405020304" pitchFamily="18" charset="0"/>
-              </a:rPr>
-              <a:t>100</a:t>
-            </a:r>
-          </a:p>
-        </p:txBody>
-      </p:sp>
-      <p:sp>
-        <p:nvSpPr>
-          <p:cNvPr id="35" name="TextBox 34">
-            <a:extLst>
-              <a:ext uri="{FF2B5EF4-FFF2-40B4-BE49-F238E27FC236}">
-                <a16:creationId xmlns:a16="http://schemas.microsoft.com/office/drawing/2014/main" id="{7555EF41-2014-4029-B78B-AFCF95A4173D}"/>
-              </a:ext>
-            </a:extLst>
-          </p:cNvPr>
-          <p:cNvSpPr txBox="1"/>
-          <p:nvPr/>
-        </p:nvSpPr>
-        <p:spPr>
-          <a:xfrm>
-            <a:off x="5514620" y="2233996"/>
-            <a:ext cx="626336" cy="400110"/>
-          </a:xfrm>
-          <a:prstGeom prst="rect">
-            <a:avLst/>
-          </a:prstGeom>
-          <a:noFill/>
-        </p:spPr>
-        <p:txBody>
-          <a:bodyPr wrap="square" rtlCol="0">
-            <a:spAutoFit/>
-          </a:bodyPr>
-          <a:lstStyle/>
-          <a:p>
-            <a:r>
-              <a:rPr lang="en-US" sz="2000" dirty="0">
-                <a:cs typeface="Times New Roman" panose="02020603050405020304" pitchFamily="18" charset="0"/>
-              </a:rPr>
-              <a:t>100</a:t>
-            </a:r>
-            <a:endParaRPr lang="en-US" dirty="0">
-              <a:cs typeface="Times New Roman" panose="02020603050405020304" pitchFamily="18" charset="0"/>
-            </a:endParaRPr>
-          </a:p>
-        </p:txBody>
-      </p:sp>
-      <p:sp>
-        <p:nvSpPr>
-          <p:cNvPr id="36" name="TextBox 35">
-            <a:extLst>
-              <a:ext uri="{FF2B5EF4-FFF2-40B4-BE49-F238E27FC236}">
-                <a16:creationId xmlns:a16="http://schemas.microsoft.com/office/drawing/2014/main" id="{30D021ED-E455-4767-975F-25F863F6DCAB}"/>
-              </a:ext>
-            </a:extLst>
-          </p:cNvPr>
-          <p:cNvSpPr txBox="1"/>
-          <p:nvPr/>
-        </p:nvSpPr>
-        <p:spPr>
-          <a:xfrm>
-            <a:off x="5502937" y="3066489"/>
-            <a:ext cx="682306" cy="400110"/>
-          </a:xfrm>
-          <a:prstGeom prst="rect">
-            <a:avLst/>
-          </a:prstGeom>
-          <a:noFill/>
-        </p:spPr>
-        <p:txBody>
-          <a:bodyPr wrap="square" rtlCol="0">
-            <a:spAutoFit/>
-          </a:bodyPr>
-          <a:lstStyle/>
-          <a:p>
-            <a:r>
-              <a:rPr lang="en-US" sz="2000" dirty="0">
-                <a:cs typeface="Times New Roman" panose="02020603050405020304" pitchFamily="18" charset="0"/>
-              </a:rPr>
-              <a:t>100</a:t>
-            </a:r>
-            <a:endParaRPr lang="en-US" sz="1400" dirty="0">
-              <a:cs typeface="Times New Roman" panose="02020603050405020304" pitchFamily="18" charset="0"/>
-            </a:endParaRPr>
-          </a:p>
-        </p:txBody>
-      </p:sp>
-      <p:sp>
-        <p:nvSpPr>
-          <p:cNvPr id="37" name="TextBox 36">
-            <a:extLst>
-              <a:ext uri="{FF2B5EF4-FFF2-40B4-BE49-F238E27FC236}">
-                <a16:creationId xmlns:a16="http://schemas.microsoft.com/office/drawing/2014/main" id="{190F6DE4-E899-4FCF-A839-8428928AE0B3}"/>
-              </a:ext>
-            </a:extLst>
-          </p:cNvPr>
-          <p:cNvSpPr txBox="1"/>
-          <p:nvPr/>
-        </p:nvSpPr>
-        <p:spPr>
-          <a:xfrm>
-            <a:off x="5407107" y="4595645"/>
-            <a:ext cx="839429" cy="400110"/>
-          </a:xfrm>
-          <a:prstGeom prst="rect">
-            <a:avLst/>
-          </a:prstGeom>
-          <a:noFill/>
-        </p:spPr>
-        <p:txBody>
-          <a:bodyPr wrap="square" rtlCol="0">
-            <a:spAutoFit/>
-          </a:bodyPr>
-          <a:lstStyle/>
-          <a:p>
-            <a:r>
-              <a:rPr lang="en-US" sz="2000" dirty="0">
-                <a:cs typeface="Times New Roman" panose="02020603050405020304" pitchFamily="18" charset="0"/>
-              </a:rPr>
-              <a:t>1170</a:t>
-            </a:r>
-            <a:endParaRPr lang="en-US" dirty="0">
-              <a:cs typeface="Times New Roman" panose="02020603050405020304" pitchFamily="18" charset="0"/>
-            </a:endParaRPr>
-          </a:p>
-        </p:txBody>
-      </p:sp>
-      <p:sp>
-        <p:nvSpPr>
-          <p:cNvPr id="44" name="TextBox 43">
-            <a:extLst>
-              <a:ext uri="{FF2B5EF4-FFF2-40B4-BE49-F238E27FC236}">
-                <a16:creationId xmlns:a16="http://schemas.microsoft.com/office/drawing/2014/main" id="{495590D6-9736-4BBD-BBFA-9FDA5908B643}"/>
-              </a:ext>
-            </a:extLst>
-          </p:cNvPr>
-          <p:cNvSpPr txBox="1"/>
-          <p:nvPr/>
-        </p:nvSpPr>
-        <p:spPr>
-          <a:xfrm>
-            <a:off x="6737572" y="3089481"/>
-            <a:ext cx="464723" cy="400110"/>
-          </a:xfrm>
-          <a:prstGeom prst="rect">
-            <a:avLst/>
-          </a:prstGeom>
-          <a:noFill/>
-        </p:spPr>
-        <p:txBody>
-          <a:bodyPr wrap="square" rtlCol="0">
-            <a:spAutoFit/>
-          </a:bodyPr>
-          <a:lstStyle/>
-          <a:p>
-            <a:r>
-              <a:rPr lang="en-US" sz="2000" dirty="0">
-                <a:cs typeface="Times New Roman" panose="02020603050405020304" pitchFamily="18" charset="0"/>
-              </a:rPr>
-              <a:t>10</a:t>
-            </a:r>
-            <a:endParaRPr lang="en-US" dirty="0">
-              <a:cs typeface="Times New Roman" panose="02020603050405020304" pitchFamily="18" charset="0"/>
-            </a:endParaRPr>
-          </a:p>
-        </p:txBody>
-      </p:sp>
-      <p:sp>
-        <p:nvSpPr>
-          <p:cNvPr id="46" name="TextBox 45">
-            <a:extLst>
-              <a:ext uri="{FF2B5EF4-FFF2-40B4-BE49-F238E27FC236}">
-                <a16:creationId xmlns:a16="http://schemas.microsoft.com/office/drawing/2014/main" id="{793C2E95-AFC6-4D14-B824-E0F783FC793C}"/>
-              </a:ext>
-            </a:extLst>
-          </p:cNvPr>
-          <p:cNvSpPr txBox="1"/>
-          <p:nvPr/>
-        </p:nvSpPr>
-        <p:spPr>
-          <a:xfrm>
-            <a:off x="7441325" y="4595645"/>
-            <a:ext cx="873556" cy="400110"/>
-          </a:xfrm>
-          <a:prstGeom prst="rect">
-            <a:avLst/>
-          </a:prstGeom>
-          <a:noFill/>
-        </p:spPr>
-        <p:txBody>
-          <a:bodyPr wrap="square" rtlCol="0">
-            <a:spAutoFit/>
-          </a:bodyPr>
-          <a:lstStyle/>
-          <a:p>
-            <a:r>
-              <a:rPr lang="en-US" sz="2000" dirty="0">
-                <a:cs typeface="Times New Roman" panose="02020603050405020304" pitchFamily="18" charset="0"/>
-              </a:rPr>
-              <a:t>117</a:t>
-            </a:r>
-            <a:endParaRPr lang="en-US" sz="1600" dirty="0">
-              <a:cs typeface="Times New Roman" panose="02020603050405020304" pitchFamily="18" charset="0"/>
-            </a:endParaRPr>
-          </a:p>
-        </p:txBody>
-      </p:sp>
-      <p:sp>
-        <p:nvSpPr>
-          <p:cNvPr id="39" name="TextBox 38">
-            <a:extLst>
-              <a:ext uri="{FF2B5EF4-FFF2-40B4-BE49-F238E27FC236}">
-                <a16:creationId xmlns:a16="http://schemas.microsoft.com/office/drawing/2014/main" id="{B9138881-7869-4B34-AF43-2A258AB26758}"/>
-              </a:ext>
-            </a:extLst>
-          </p:cNvPr>
-          <p:cNvSpPr txBox="1"/>
-          <p:nvPr/>
-        </p:nvSpPr>
-        <p:spPr>
-          <a:xfrm>
-            <a:off x="6796689" y="2260127"/>
-            <a:ext cx="464723" cy="400110"/>
-          </a:xfrm>
-          <a:prstGeom prst="rect">
-            <a:avLst/>
-          </a:prstGeom>
-          <a:noFill/>
-        </p:spPr>
-        <p:txBody>
-          <a:bodyPr wrap="square" rtlCol="0">
-            <a:spAutoFit/>
-          </a:bodyPr>
-          <a:lstStyle/>
-          <a:p>
-            <a:r>
-              <a:rPr lang="en-US" sz="2000" dirty="0">
-                <a:cs typeface="Times New Roman" panose="02020603050405020304" pitchFamily="18" charset="0"/>
-              </a:rPr>
-              <a:t>10</a:t>
-            </a:r>
-            <a:endParaRPr lang="en-US" dirty="0">
-              <a:cs typeface="Times New Roman" panose="02020603050405020304" pitchFamily="18" charset="0"/>
-            </a:endParaRPr>
-          </a:p>
-        </p:txBody>
-      </p:sp>
-      <p:sp>
-        <p:nvSpPr>
-          <p:cNvPr id="41" name="TextBox 40">
-            <a:extLst>
-              <a:ext uri="{FF2B5EF4-FFF2-40B4-BE49-F238E27FC236}">
-                <a16:creationId xmlns:a16="http://schemas.microsoft.com/office/drawing/2014/main" id="{F532CD24-7B99-4421-AEA2-B98660C29722}"/>
-              </a:ext>
-            </a:extLst>
-          </p:cNvPr>
-          <p:cNvSpPr txBox="1"/>
-          <p:nvPr/>
-        </p:nvSpPr>
-        <p:spPr>
-          <a:xfrm>
-            <a:off x="6768010" y="1417180"/>
-            <a:ext cx="464723" cy="400110"/>
-          </a:xfrm>
-          <a:prstGeom prst="rect">
-            <a:avLst/>
-          </a:prstGeom>
-          <a:noFill/>
-        </p:spPr>
-        <p:txBody>
-          <a:bodyPr wrap="square" rtlCol="0">
-            <a:spAutoFit/>
-          </a:bodyPr>
-          <a:lstStyle/>
-          <a:p>
-            <a:r>
-              <a:rPr lang="en-US" sz="2000" dirty="0">
-                <a:cs typeface="Times New Roman" panose="02020603050405020304" pitchFamily="18" charset="0"/>
-              </a:rPr>
-              <a:t>10</a:t>
-            </a:r>
-            <a:endParaRPr lang="en-US" dirty="0">
-              <a:cs typeface="Times New Roman" panose="02020603050405020304" pitchFamily="18" charset="0"/>
-            </a:endParaRPr>
-          </a:p>
-        </p:txBody>
-      </p:sp>
-      <p:sp>
-        <p:nvSpPr>
-          <p:cNvPr id="43" name="TextBox 42">
-            <a:extLst>
-              <a:ext uri="{FF2B5EF4-FFF2-40B4-BE49-F238E27FC236}">
-                <a16:creationId xmlns:a16="http://schemas.microsoft.com/office/drawing/2014/main" id="{9F461344-17B3-4061-9488-7B5D2AA362A3}"/>
-              </a:ext>
-            </a:extLst>
-          </p:cNvPr>
-          <p:cNvSpPr txBox="1"/>
-          <p:nvPr/>
-        </p:nvSpPr>
-        <p:spPr>
-          <a:xfrm>
-            <a:off x="6694007" y="715237"/>
-            <a:ext cx="464723" cy="400110"/>
-          </a:xfrm>
-          <a:prstGeom prst="rect">
-            <a:avLst/>
-          </a:prstGeom>
-          <a:noFill/>
-        </p:spPr>
-        <p:txBody>
-          <a:bodyPr wrap="square" rtlCol="0">
-            <a:spAutoFit/>
-          </a:bodyPr>
-          <a:lstStyle/>
-          <a:p>
-            <a:r>
-              <a:rPr lang="en-US" sz="2000" dirty="0">
-                <a:cs typeface="Times New Roman" panose="02020603050405020304" pitchFamily="18" charset="0"/>
-              </a:rPr>
-              <a:t>3</a:t>
-            </a:r>
-            <a:endParaRPr lang="en-US" dirty="0">
-              <a:cs typeface="Times New Roman" panose="02020603050405020304" pitchFamily="18" charset="0"/>
-            </a:endParaRPr>
-          </a:p>
-        </p:txBody>
-      </p:sp>
-      <p:sp>
-        <p:nvSpPr>
-          <p:cNvPr id="45" name="TextBox 44">
-            <a:extLst>
-              <a:ext uri="{FF2B5EF4-FFF2-40B4-BE49-F238E27FC236}">
-                <a16:creationId xmlns:a16="http://schemas.microsoft.com/office/drawing/2014/main" id="{FBEE394B-7D68-4130-A1DC-79E5A12A5371}"/>
-              </a:ext>
-            </a:extLst>
-          </p:cNvPr>
-          <p:cNvSpPr txBox="1"/>
-          <p:nvPr/>
-        </p:nvSpPr>
-        <p:spPr>
-          <a:xfrm>
-            <a:off x="4479086" y="731754"/>
-            <a:ext cx="464723" cy="400110"/>
-          </a:xfrm>
-          <a:prstGeom prst="rect">
-            <a:avLst/>
-          </a:prstGeom>
-          <a:noFill/>
-        </p:spPr>
-        <p:txBody>
-          <a:bodyPr wrap="square" rtlCol="0">
-            <a:spAutoFit/>
-          </a:bodyPr>
-          <a:lstStyle/>
-          <a:p>
-            <a:r>
-              <a:rPr lang="en-US" sz="2000" dirty="0">
-                <a:cs typeface="Times New Roman" panose="02020603050405020304" pitchFamily="18" charset="0"/>
-              </a:rPr>
-              <a:t>30</a:t>
-            </a:r>
-            <a:endParaRPr lang="en-US" dirty="0">
-              <a:cs typeface="Times New Roman" panose="02020603050405020304" pitchFamily="18" charset="0"/>
-            </a:endParaRPr>
-          </a:p>
-        </p:txBody>
-      </p:sp>
-      <p:sp>
-        <p:nvSpPr>
-          <p:cNvPr id="47" name="TextBox 46">
-            <a:extLst>
-              <a:ext uri="{FF2B5EF4-FFF2-40B4-BE49-F238E27FC236}">
-                <a16:creationId xmlns:a16="http://schemas.microsoft.com/office/drawing/2014/main" id="{2C6F67B7-E1F4-4F33-9E09-291CBEDEEA3D}"/>
-              </a:ext>
-            </a:extLst>
-          </p:cNvPr>
-          <p:cNvSpPr txBox="1"/>
-          <p:nvPr/>
-        </p:nvSpPr>
-        <p:spPr>
-          <a:xfrm>
-            <a:off x="4408648" y="1394855"/>
-            <a:ext cx="464723" cy="400110"/>
-          </a:xfrm>
-          <a:prstGeom prst="rect">
-            <a:avLst/>
-          </a:prstGeom>
-          <a:noFill/>
-        </p:spPr>
-        <p:txBody>
-          <a:bodyPr wrap="square" rtlCol="0">
-            <a:spAutoFit/>
-          </a:bodyPr>
-          <a:lstStyle/>
-          <a:p>
-            <a:r>
-              <a:rPr lang="en-US" sz="2000" dirty="0">
-                <a:cs typeface="Times New Roman" panose="02020603050405020304" pitchFamily="18" charset="0"/>
-              </a:rPr>
-              <a:t>30</a:t>
-            </a:r>
-            <a:endParaRPr lang="en-US" dirty="0">
-              <a:cs typeface="Times New Roman" panose="02020603050405020304" pitchFamily="18" charset="0"/>
-            </a:endParaRPr>
-          </a:p>
-        </p:txBody>
-      </p:sp>
-      <p:sp>
-        <p:nvSpPr>
-          <p:cNvPr id="53" name="TextBox 52">
-            <a:extLst>
-              <a:ext uri="{FF2B5EF4-FFF2-40B4-BE49-F238E27FC236}">
-                <a16:creationId xmlns:a16="http://schemas.microsoft.com/office/drawing/2014/main" id="{6A65BAEC-CCA3-4142-A19B-3DCA9A173B5E}"/>
-              </a:ext>
-            </a:extLst>
-          </p:cNvPr>
-          <p:cNvSpPr txBox="1"/>
-          <p:nvPr/>
-        </p:nvSpPr>
-        <p:spPr>
-          <a:xfrm>
-            <a:off x="4360287" y="2247965"/>
-            <a:ext cx="464723" cy="400110"/>
-          </a:xfrm>
-          <a:prstGeom prst="rect">
-            <a:avLst/>
-          </a:prstGeom>
-          <a:noFill/>
-        </p:spPr>
-        <p:txBody>
-          <a:bodyPr wrap="square" rtlCol="0">
-            <a:spAutoFit/>
-          </a:bodyPr>
-          <a:lstStyle/>
-          <a:p>
-            <a:r>
-              <a:rPr lang="en-US" sz="2000" dirty="0">
-                <a:cs typeface="Times New Roman" panose="02020603050405020304" pitchFamily="18" charset="0"/>
-              </a:rPr>
-              <a:t>30</a:t>
-            </a:r>
-            <a:endParaRPr lang="en-US" sz="1600" dirty="0">
-              <a:cs typeface="Times New Roman" panose="02020603050405020304" pitchFamily="18" charset="0"/>
-            </a:endParaRPr>
-          </a:p>
-        </p:txBody>
-      </p:sp>
-      <p:sp>
-        <p:nvSpPr>
-          <p:cNvPr id="54" name="TextBox 53">
-            <a:extLst>
-              <a:ext uri="{FF2B5EF4-FFF2-40B4-BE49-F238E27FC236}">
-                <a16:creationId xmlns:a16="http://schemas.microsoft.com/office/drawing/2014/main" id="{72C6E6CF-10AF-4E60-8E25-371577259D26}"/>
-              </a:ext>
-            </a:extLst>
-          </p:cNvPr>
-          <p:cNvSpPr txBox="1"/>
-          <p:nvPr/>
-        </p:nvSpPr>
-        <p:spPr>
-          <a:xfrm>
-            <a:off x="4355781" y="3089481"/>
-            <a:ext cx="464723" cy="400110"/>
-          </a:xfrm>
-          <a:prstGeom prst="rect">
-            <a:avLst/>
-          </a:prstGeom>
-          <a:noFill/>
-        </p:spPr>
-        <p:txBody>
-          <a:bodyPr wrap="square" rtlCol="0">
-            <a:spAutoFit/>
-          </a:bodyPr>
-          <a:lstStyle/>
-          <a:p>
-            <a:r>
-              <a:rPr lang="en-US" sz="2000" dirty="0">
-                <a:cs typeface="Times New Roman" panose="02020603050405020304" pitchFamily="18" charset="0"/>
-              </a:rPr>
-              <a:t>30</a:t>
-            </a:r>
-            <a:endParaRPr lang="en-US" dirty="0">
-              <a:cs typeface="Times New Roman" panose="02020603050405020304" pitchFamily="18" charset="0"/>
-            </a:endParaRPr>
-          </a:p>
-        </p:txBody>
-      </p:sp>
-      <p:sp>
-        <p:nvSpPr>
-          <p:cNvPr id="55" name="TextBox 54">
-            <a:extLst>
-              <a:ext uri="{FF2B5EF4-FFF2-40B4-BE49-F238E27FC236}">
-                <a16:creationId xmlns:a16="http://schemas.microsoft.com/office/drawing/2014/main" id="{6DFDFB78-968C-4E9A-8FE9-BCCC805084FA}"/>
-              </a:ext>
-            </a:extLst>
-          </p:cNvPr>
-          <p:cNvSpPr txBox="1"/>
-          <p:nvPr/>
-        </p:nvSpPr>
-        <p:spPr>
-          <a:xfrm>
-            <a:off x="3651289" y="4595645"/>
-            <a:ext cx="464723" cy="400110"/>
-          </a:xfrm>
-          <a:prstGeom prst="rect">
-            <a:avLst/>
-          </a:prstGeom>
-          <a:noFill/>
-        </p:spPr>
-        <p:txBody>
-          <a:bodyPr wrap="square" rtlCol="0">
-            <a:spAutoFit/>
-          </a:bodyPr>
-          <a:lstStyle/>
-          <a:p>
-            <a:r>
-              <a:rPr lang="en-US" sz="2000" dirty="0">
-                <a:cs typeface="Times New Roman" panose="02020603050405020304" pitchFamily="18" charset="0"/>
-              </a:rPr>
-              <a:t>30</a:t>
-            </a:r>
-            <a:endParaRPr lang="en-US" dirty="0">
-              <a:cs typeface="Times New Roman" panose="02020603050405020304" pitchFamily="18" charset="0"/>
-            </a:endParaRPr>
-          </a:p>
-        </p:txBody>
-      </p:sp>
-    </p:spTree>
-    <p:extLst>
-      <p:ext uri="{BB962C8B-B14F-4D97-AF65-F5344CB8AC3E}">
-        <p14:creationId xmlns:p14="http://schemas.microsoft.com/office/powerpoint/2010/main" val="904473747"/>
-      </p:ext>
-    </p:extLst>
-  </p:cSld>
-  <p:clrMapOvr>
-    <a:masterClrMapping/>
-  </p:clrMapOvr>
-</p:sld>
-</file>
-
-<file path=ppt/slides/slide3.xml><?xml version="1.0" encoding="utf-8"?>
-<p:sld xmlns:a="http://schemas.openxmlformats.org/drawingml/2006/main" xmlns:r="http://schemas.openxmlformats.org/officeDocument/2006/relationships" xmlns:p="http://schemas.openxmlformats.org/presentationml/2006/main">
-  <p:cSld>
-    <p:spTree>
-      <p:nvGrpSpPr>
-        <p:cNvPr id="1" name=""/>
-        <p:cNvGrpSpPr/>
-        <p:nvPr/>
-      </p:nvGrpSpPr>
-      <p:grpSpPr>
-        <a:xfrm>
-          <a:off x="0" y="0"/>
-          <a:ext cx="0" cy="0"/>
-          <a:chOff x="0" y="0"/>
-          <a:chExt cx="0" cy="0"/>
-        </a:xfrm>
-      </p:grpSpPr>
-      <p:sp>
-        <p:nvSpPr>
-          <p:cNvPr id="4" name="Oval 3">
-            <a:extLst>
-              <a:ext uri="{FF2B5EF4-FFF2-40B4-BE49-F238E27FC236}">
-                <a16:creationId xmlns:a16="http://schemas.microsoft.com/office/drawing/2014/main" id="{F9F257AC-85E7-4C1D-9E30-6D28D5E6400A}"/>
-              </a:ext>
-            </a:extLst>
-          </p:cNvPr>
-          <p:cNvSpPr/>
-          <p:nvPr/>
-        </p:nvSpPr>
-        <p:spPr>
-          <a:xfrm>
-            <a:off x="1899904" y="2231392"/>
-            <a:ext cx="359677" cy="341163"/>
-          </a:xfrm>
-          <a:prstGeom prst="ellipse">
-            <a:avLst/>
-          </a:prstGeom>
-          <a:solidFill>
-            <a:schemeClr val="accent1">
-              <a:lumMod val="40000"/>
-              <a:lumOff val="60000"/>
-            </a:schemeClr>
-          </a:solidFill>
-        </p:spPr>
-        <p:style>
-          <a:lnRef idx="2">
-            <a:schemeClr val="accent1">
-              <a:shade val="50000"/>
-            </a:schemeClr>
-          </a:lnRef>
-          <a:fillRef idx="1">
-            <a:schemeClr val="accent1"/>
-          </a:fillRef>
-          <a:effectRef idx="0">
-            <a:schemeClr val="accent1"/>
-          </a:effectRef>
-          <a:fontRef idx="minor">
-            <a:schemeClr val="lt1"/>
-          </a:fontRef>
-        </p:style>
-        <p:txBody>
-          <a:bodyPr rtlCol="0" anchor="ctr"/>
-          <a:lstStyle/>
-          <a:p>
-            <a:pPr algn="ctr"/>
-            <a:endParaRPr lang="en-US" dirty="0"/>
-          </a:p>
-        </p:txBody>
-      </p:sp>
-      <p:sp>
-        <p:nvSpPr>
-          <p:cNvPr id="5" name="Oval 4">
-            <a:extLst>
-              <a:ext uri="{FF2B5EF4-FFF2-40B4-BE49-F238E27FC236}">
-                <a16:creationId xmlns:a16="http://schemas.microsoft.com/office/drawing/2014/main" id="{4ADBACFD-E17B-4BA2-8D6D-4623BECCD459}"/>
-              </a:ext>
-            </a:extLst>
-          </p:cNvPr>
-          <p:cNvSpPr/>
-          <p:nvPr/>
-        </p:nvSpPr>
-        <p:spPr>
-          <a:xfrm>
-            <a:off x="2605576" y="1911561"/>
-            <a:ext cx="682306" cy="639662"/>
-          </a:xfrm>
-          <a:prstGeom prst="ellipse">
-            <a:avLst/>
-          </a:prstGeom>
-          <a:solidFill>
-            <a:schemeClr val="accent1">
-              <a:lumMod val="40000"/>
-              <a:lumOff val="60000"/>
-            </a:schemeClr>
-          </a:solidFill>
-        </p:spPr>
-        <p:style>
-          <a:lnRef idx="2">
-            <a:schemeClr val="accent1">
-              <a:shade val="50000"/>
-            </a:schemeClr>
-          </a:lnRef>
-          <a:fillRef idx="1">
-            <a:schemeClr val="accent1"/>
-          </a:fillRef>
-          <a:effectRef idx="0">
-            <a:schemeClr val="accent1"/>
-          </a:effectRef>
-          <a:fontRef idx="minor">
-            <a:schemeClr val="lt1"/>
-          </a:fontRef>
-        </p:style>
-        <p:txBody>
-          <a:bodyPr rtlCol="0" anchor="ctr"/>
-          <a:lstStyle/>
-          <a:p>
-            <a:pPr algn="ctr"/>
-            <a:endParaRPr lang="en-US"/>
-          </a:p>
-        </p:txBody>
-      </p:sp>
-      <p:sp>
-        <p:nvSpPr>
-          <p:cNvPr id="6" name="Oval 5">
-            <a:extLst>
-              <a:ext uri="{FF2B5EF4-FFF2-40B4-BE49-F238E27FC236}">
-                <a16:creationId xmlns:a16="http://schemas.microsoft.com/office/drawing/2014/main" id="{92EAEA1F-AFA2-446A-988D-F7D403A2F780}"/>
-              </a:ext>
-            </a:extLst>
-          </p:cNvPr>
-          <p:cNvSpPr/>
-          <p:nvPr/>
-        </p:nvSpPr>
-        <p:spPr>
-          <a:xfrm>
-            <a:off x="1749241" y="2689368"/>
-            <a:ext cx="682307" cy="639661"/>
-          </a:xfrm>
-          <a:prstGeom prst="ellipse">
-            <a:avLst/>
-          </a:prstGeom>
-          <a:solidFill>
-            <a:schemeClr val="accent1">
-              <a:lumMod val="40000"/>
-              <a:lumOff val="60000"/>
-            </a:schemeClr>
-          </a:solidFill>
-        </p:spPr>
-        <p:style>
-          <a:lnRef idx="2">
-            <a:schemeClr val="accent1">
-              <a:shade val="50000"/>
-            </a:schemeClr>
-          </a:lnRef>
-          <a:fillRef idx="1">
-            <a:schemeClr val="accent1"/>
-          </a:fillRef>
-          <a:effectRef idx="0">
-            <a:schemeClr val="accent1"/>
-          </a:effectRef>
-          <a:fontRef idx="minor">
-            <a:schemeClr val="lt1"/>
-          </a:fontRef>
-        </p:style>
-        <p:txBody>
-          <a:bodyPr rtlCol="0" anchor="ctr"/>
-          <a:lstStyle/>
-          <a:p>
-            <a:pPr algn="ctr"/>
-            <a:endParaRPr lang="en-US" dirty="0"/>
-          </a:p>
-        </p:txBody>
-      </p:sp>
-      <p:sp>
-        <p:nvSpPr>
-          <p:cNvPr id="7" name="Oval 6">
-            <a:extLst>
-              <a:ext uri="{FF2B5EF4-FFF2-40B4-BE49-F238E27FC236}">
-                <a16:creationId xmlns:a16="http://schemas.microsoft.com/office/drawing/2014/main" id="{50D6B06C-DD4A-4D17-B693-F3DDF299C0A5}"/>
-              </a:ext>
-            </a:extLst>
-          </p:cNvPr>
-          <p:cNvSpPr/>
-          <p:nvPr/>
-        </p:nvSpPr>
-        <p:spPr>
-          <a:xfrm>
-            <a:off x="2605576" y="2689369"/>
-            <a:ext cx="682306" cy="639661"/>
-          </a:xfrm>
-          <a:prstGeom prst="ellipse">
-            <a:avLst/>
-          </a:prstGeom>
-          <a:solidFill>
-            <a:schemeClr val="accent1">
-              <a:lumMod val="40000"/>
-              <a:lumOff val="60000"/>
-            </a:schemeClr>
-          </a:solidFill>
-        </p:spPr>
-        <p:style>
-          <a:lnRef idx="2">
-            <a:schemeClr val="accent1">
-              <a:shade val="50000"/>
-            </a:schemeClr>
-          </a:lnRef>
-          <a:fillRef idx="1">
-            <a:schemeClr val="accent1"/>
-          </a:fillRef>
-          <a:effectRef idx="0">
-            <a:schemeClr val="accent1"/>
-          </a:effectRef>
-          <a:fontRef idx="minor">
-            <a:schemeClr val="lt1"/>
-          </a:fontRef>
-        </p:style>
-        <p:txBody>
-          <a:bodyPr rtlCol="0" anchor="ctr"/>
-          <a:lstStyle/>
-          <a:p>
-            <a:pPr algn="ctr"/>
-            <a:endParaRPr lang="en-US"/>
-          </a:p>
-        </p:txBody>
-      </p:sp>
-      <p:sp>
-        <p:nvSpPr>
-          <p:cNvPr id="8" name="Oval 7">
-            <a:extLst>
-              <a:ext uri="{FF2B5EF4-FFF2-40B4-BE49-F238E27FC236}">
-                <a16:creationId xmlns:a16="http://schemas.microsoft.com/office/drawing/2014/main" id="{3037B14B-45EF-4A9F-87DD-A752A140725D}"/>
-              </a:ext>
-            </a:extLst>
-          </p:cNvPr>
-          <p:cNvSpPr/>
-          <p:nvPr/>
-        </p:nvSpPr>
-        <p:spPr>
-          <a:xfrm>
-            <a:off x="1468557" y="3412331"/>
-            <a:ext cx="2125211" cy="1990987"/>
-          </a:xfrm>
-          <a:prstGeom prst="ellipse">
-            <a:avLst/>
-          </a:prstGeom>
-          <a:solidFill>
-            <a:schemeClr val="accent1">
-              <a:lumMod val="40000"/>
-              <a:lumOff val="60000"/>
-            </a:schemeClr>
-          </a:solidFill>
-        </p:spPr>
-        <p:style>
-          <a:lnRef idx="2">
-            <a:schemeClr val="accent1">
-              <a:shade val="50000"/>
-            </a:schemeClr>
-          </a:lnRef>
-          <a:fillRef idx="1">
-            <a:schemeClr val="accent1"/>
-          </a:fillRef>
-          <a:effectRef idx="0">
-            <a:schemeClr val="accent1"/>
-          </a:effectRef>
-          <a:fontRef idx="minor">
-            <a:schemeClr val="lt1"/>
-          </a:fontRef>
-        </p:style>
-        <p:txBody>
-          <a:bodyPr rtlCol="0" anchor="ctr"/>
-          <a:lstStyle/>
-          <a:p>
-            <a:pPr algn="ctr"/>
-            <a:endParaRPr lang="en-US"/>
-          </a:p>
-        </p:txBody>
-      </p:sp>
-      <p:sp>
-        <p:nvSpPr>
-          <p:cNvPr id="9" name="Oval 8">
-            <a:extLst>
-              <a:ext uri="{FF2B5EF4-FFF2-40B4-BE49-F238E27FC236}">
-                <a16:creationId xmlns:a16="http://schemas.microsoft.com/office/drawing/2014/main" id="{71A4D341-FA22-4474-AA48-27BBDC1F3E36}"/>
-              </a:ext>
-            </a:extLst>
-          </p:cNvPr>
-          <p:cNvSpPr/>
-          <p:nvPr/>
-        </p:nvSpPr>
-        <p:spPr>
-          <a:xfrm>
-            <a:off x="5832442" y="2010890"/>
-            <a:ext cx="916499" cy="882933"/>
-          </a:xfrm>
-          <a:prstGeom prst="ellipse">
-            <a:avLst/>
-          </a:prstGeom>
-          <a:solidFill>
-            <a:schemeClr val="accent1">
-              <a:lumMod val="40000"/>
-              <a:lumOff val="60000"/>
-            </a:schemeClr>
-          </a:solidFill>
-        </p:spPr>
-        <p:style>
-          <a:lnRef idx="2">
-            <a:schemeClr val="accent1">
-              <a:shade val="50000"/>
-            </a:schemeClr>
-          </a:lnRef>
-          <a:fillRef idx="1">
-            <a:schemeClr val="accent1"/>
-          </a:fillRef>
-          <a:effectRef idx="0">
-            <a:schemeClr val="accent1"/>
-          </a:effectRef>
-          <a:fontRef idx="minor">
-            <a:schemeClr val="lt1"/>
-          </a:fontRef>
-        </p:style>
-        <p:txBody>
-          <a:bodyPr rtlCol="0" anchor="ctr"/>
-          <a:lstStyle/>
-          <a:p>
-            <a:pPr algn="ctr"/>
-            <a:endParaRPr lang="en-US" dirty="0"/>
-          </a:p>
-        </p:txBody>
-      </p:sp>
-      <p:sp>
-        <p:nvSpPr>
-          <p:cNvPr id="10" name="Oval 9">
-            <a:extLst>
-              <a:ext uri="{FF2B5EF4-FFF2-40B4-BE49-F238E27FC236}">
-                <a16:creationId xmlns:a16="http://schemas.microsoft.com/office/drawing/2014/main" id="{2FED58FC-30DA-408F-9946-8A46DDE21178}"/>
-              </a:ext>
-            </a:extLst>
-          </p:cNvPr>
-          <p:cNvSpPr/>
-          <p:nvPr/>
-        </p:nvSpPr>
-        <p:spPr>
-          <a:xfrm>
-            <a:off x="4830834" y="2161541"/>
-            <a:ext cx="777380" cy="732282"/>
-          </a:xfrm>
-          <a:prstGeom prst="ellipse">
-            <a:avLst/>
-          </a:prstGeom>
-          <a:solidFill>
-            <a:schemeClr val="accent1">
-              <a:lumMod val="40000"/>
-              <a:lumOff val="60000"/>
-            </a:schemeClr>
-          </a:solidFill>
-        </p:spPr>
-        <p:style>
-          <a:lnRef idx="2">
-            <a:schemeClr val="accent1">
-              <a:shade val="50000"/>
-            </a:schemeClr>
-          </a:lnRef>
-          <a:fillRef idx="1">
-            <a:schemeClr val="accent1"/>
-          </a:fillRef>
-          <a:effectRef idx="0">
-            <a:schemeClr val="accent1"/>
-          </a:effectRef>
-          <a:fontRef idx="minor">
-            <a:schemeClr val="lt1"/>
-          </a:fontRef>
-        </p:style>
-        <p:txBody>
-          <a:bodyPr rtlCol="0" anchor="ctr"/>
-          <a:lstStyle/>
-          <a:p>
-            <a:pPr algn="ctr"/>
-            <a:endParaRPr lang="en-US"/>
-          </a:p>
-        </p:txBody>
-      </p:sp>
-      <p:sp>
-        <p:nvSpPr>
-          <p:cNvPr id="11" name="Oval 10">
-            <a:extLst>
-              <a:ext uri="{FF2B5EF4-FFF2-40B4-BE49-F238E27FC236}">
-                <a16:creationId xmlns:a16="http://schemas.microsoft.com/office/drawing/2014/main" id="{9B487125-F5B7-4171-877E-B3A109BEFCEC}"/>
-              </a:ext>
-            </a:extLst>
-          </p:cNvPr>
-          <p:cNvSpPr/>
-          <p:nvPr/>
-        </p:nvSpPr>
-        <p:spPr>
-          <a:xfrm>
-            <a:off x="4750528" y="3009198"/>
-            <a:ext cx="937992" cy="882238"/>
-          </a:xfrm>
-          <a:prstGeom prst="ellipse">
-            <a:avLst/>
-          </a:prstGeom>
-          <a:solidFill>
-            <a:schemeClr val="accent1">
-              <a:lumMod val="40000"/>
-              <a:lumOff val="60000"/>
-            </a:schemeClr>
-          </a:solidFill>
-        </p:spPr>
-        <p:style>
-          <a:lnRef idx="2">
-            <a:schemeClr val="accent1">
-              <a:shade val="50000"/>
-            </a:schemeClr>
-          </a:lnRef>
-          <a:fillRef idx="1">
-            <a:schemeClr val="accent1"/>
-          </a:fillRef>
-          <a:effectRef idx="0">
-            <a:schemeClr val="accent1"/>
-          </a:effectRef>
-          <a:fontRef idx="minor">
-            <a:schemeClr val="lt1"/>
-          </a:fontRef>
-        </p:style>
-        <p:txBody>
-          <a:bodyPr rtlCol="0" anchor="ctr"/>
-          <a:lstStyle/>
-          <a:p>
-            <a:pPr algn="ctr"/>
-            <a:endParaRPr lang="en-US"/>
-          </a:p>
-        </p:txBody>
-      </p:sp>
-      <p:sp>
-        <p:nvSpPr>
-          <p:cNvPr id="12" name="Oval 11">
-            <a:extLst>
-              <a:ext uri="{FF2B5EF4-FFF2-40B4-BE49-F238E27FC236}">
-                <a16:creationId xmlns:a16="http://schemas.microsoft.com/office/drawing/2014/main" id="{8FD5F3D9-7342-45CA-9B5E-6E6842BACB38}"/>
-              </a:ext>
-            </a:extLst>
-          </p:cNvPr>
-          <p:cNvSpPr/>
-          <p:nvPr/>
-        </p:nvSpPr>
-        <p:spPr>
-          <a:xfrm>
-            <a:off x="5832442" y="3049551"/>
-            <a:ext cx="937991" cy="882933"/>
-          </a:xfrm>
-          <a:prstGeom prst="ellipse">
-            <a:avLst/>
-          </a:prstGeom>
-          <a:solidFill>
-            <a:schemeClr val="accent1">
-              <a:lumMod val="40000"/>
-              <a:lumOff val="60000"/>
-            </a:schemeClr>
-          </a:solidFill>
-        </p:spPr>
-        <p:style>
-          <a:lnRef idx="2">
-            <a:schemeClr val="accent1">
-              <a:shade val="50000"/>
-            </a:schemeClr>
-          </a:lnRef>
-          <a:fillRef idx="1">
-            <a:schemeClr val="accent1"/>
-          </a:fillRef>
-          <a:effectRef idx="0">
-            <a:schemeClr val="accent1"/>
-          </a:effectRef>
-          <a:fontRef idx="minor">
-            <a:schemeClr val="lt1"/>
-          </a:fontRef>
-        </p:style>
-        <p:txBody>
-          <a:bodyPr rtlCol="0" anchor="ctr"/>
-          <a:lstStyle/>
-          <a:p>
-            <a:pPr algn="ctr"/>
-            <a:endParaRPr lang="en-US"/>
-          </a:p>
-        </p:txBody>
-      </p:sp>
-      <p:sp>
-        <p:nvSpPr>
-          <p:cNvPr id="13" name="Oval 12">
-            <a:extLst>
-              <a:ext uri="{FF2B5EF4-FFF2-40B4-BE49-F238E27FC236}">
-                <a16:creationId xmlns:a16="http://schemas.microsoft.com/office/drawing/2014/main" id="{B68F6651-A865-4FBF-900C-181625F671F7}"/>
-              </a:ext>
-            </a:extLst>
-          </p:cNvPr>
-          <p:cNvSpPr/>
-          <p:nvPr/>
-        </p:nvSpPr>
-        <p:spPr>
-          <a:xfrm>
-            <a:off x="4937883" y="3964177"/>
-            <a:ext cx="1554759" cy="1430323"/>
-          </a:xfrm>
-          <a:prstGeom prst="ellipse">
-            <a:avLst/>
-          </a:prstGeom>
-          <a:solidFill>
-            <a:schemeClr val="accent1">
-              <a:lumMod val="40000"/>
-              <a:lumOff val="60000"/>
-            </a:schemeClr>
-          </a:solidFill>
-        </p:spPr>
-        <p:style>
-          <a:lnRef idx="2">
-            <a:schemeClr val="accent1">
-              <a:shade val="50000"/>
-            </a:schemeClr>
-          </a:lnRef>
-          <a:fillRef idx="1">
-            <a:schemeClr val="accent1"/>
-          </a:fillRef>
-          <a:effectRef idx="0">
-            <a:schemeClr val="accent1"/>
-          </a:effectRef>
-          <a:fontRef idx="minor">
-            <a:schemeClr val="lt1"/>
-          </a:fontRef>
-        </p:style>
-        <p:txBody>
-          <a:bodyPr rtlCol="0" anchor="ctr"/>
-          <a:lstStyle/>
-          <a:p>
-            <a:pPr algn="ctr"/>
-            <a:endParaRPr lang="en-US"/>
-          </a:p>
-        </p:txBody>
-      </p:sp>
-      <p:sp>
-        <p:nvSpPr>
-          <p:cNvPr id="14" name="TextBox 13">
-            <a:extLst>
-              <a:ext uri="{FF2B5EF4-FFF2-40B4-BE49-F238E27FC236}">
-                <a16:creationId xmlns:a16="http://schemas.microsoft.com/office/drawing/2014/main" id="{0FA7B253-0172-4AA4-B70F-B889300C0541}"/>
-              </a:ext>
-            </a:extLst>
-          </p:cNvPr>
-          <p:cNvSpPr txBox="1"/>
-          <p:nvPr/>
-        </p:nvSpPr>
-        <p:spPr>
-          <a:xfrm>
-            <a:off x="1720995" y="5426193"/>
-            <a:ext cx="1620334" cy="646331"/>
-          </a:xfrm>
-          <a:prstGeom prst="rect">
-            <a:avLst/>
-          </a:prstGeom>
-          <a:noFill/>
-        </p:spPr>
-        <p:txBody>
-          <a:bodyPr wrap="square" rtlCol="0">
-            <a:spAutoFit/>
-          </a:bodyPr>
-          <a:lstStyle/>
-          <a:p>
-            <a:pPr algn="ctr"/>
-            <a:r>
-              <a:rPr lang="en-US" dirty="0">
-                <a:cs typeface="Times New Roman" panose="02020603050405020304" pitchFamily="18" charset="0"/>
-              </a:rPr>
-              <a:t>Scenarios 1, 2, 3, 4, 5 (and 6)</a:t>
-            </a:r>
-          </a:p>
-        </p:txBody>
-      </p:sp>
-      <p:sp>
-        <p:nvSpPr>
-          <p:cNvPr id="15" name="TextBox 14">
-            <a:extLst>
-              <a:ext uri="{FF2B5EF4-FFF2-40B4-BE49-F238E27FC236}">
-                <a16:creationId xmlns:a16="http://schemas.microsoft.com/office/drawing/2014/main" id="{C08D11A8-9CEF-4382-97DF-4A09F01270FA}"/>
-              </a:ext>
-            </a:extLst>
-          </p:cNvPr>
-          <p:cNvSpPr txBox="1"/>
-          <p:nvPr/>
-        </p:nvSpPr>
-        <p:spPr>
-          <a:xfrm>
-            <a:off x="4905095" y="5426193"/>
-            <a:ext cx="1620333" cy="646331"/>
-          </a:xfrm>
-          <a:prstGeom prst="rect">
-            <a:avLst/>
-          </a:prstGeom>
-          <a:noFill/>
-        </p:spPr>
-        <p:txBody>
-          <a:bodyPr wrap="square" rtlCol="0">
-            <a:spAutoFit/>
-          </a:bodyPr>
-          <a:lstStyle/>
-          <a:p>
-            <a:pPr algn="ctr"/>
-            <a:r>
-              <a:rPr lang="en-US" dirty="0">
-                <a:cs typeface="Times New Roman" panose="02020603050405020304" pitchFamily="18" charset="0"/>
-              </a:rPr>
-              <a:t>Scenarios (6) 7, 8, and 9</a:t>
-            </a:r>
-          </a:p>
-        </p:txBody>
-      </p:sp>
-      <p:sp>
-        <p:nvSpPr>
-          <p:cNvPr id="26" name="TextBox 25">
-            <a:extLst>
-              <a:ext uri="{FF2B5EF4-FFF2-40B4-BE49-F238E27FC236}">
-                <a16:creationId xmlns:a16="http://schemas.microsoft.com/office/drawing/2014/main" id="{487AE129-36D2-41C6-9D6B-684D371CC4B6}"/>
-              </a:ext>
-            </a:extLst>
-          </p:cNvPr>
-          <p:cNvSpPr txBox="1"/>
-          <p:nvPr/>
-        </p:nvSpPr>
-        <p:spPr>
-          <a:xfrm>
-            <a:off x="1468556" y="1131516"/>
-            <a:ext cx="2125211" cy="646331"/>
-          </a:xfrm>
-          <a:prstGeom prst="rect">
-            <a:avLst/>
-          </a:prstGeom>
-          <a:noFill/>
-        </p:spPr>
-        <p:txBody>
-          <a:bodyPr wrap="square" rtlCol="0">
-            <a:spAutoFit/>
-          </a:bodyPr>
-          <a:lstStyle/>
-          <a:p>
-            <a:pPr algn="ctr"/>
-            <a:r>
-              <a:rPr lang="en-US" b="1" dirty="0">
-                <a:cs typeface="Times New Roman" panose="02020603050405020304" pitchFamily="18" charset="0"/>
-              </a:rPr>
-              <a:t>Use proportional strategy</a:t>
-            </a:r>
-          </a:p>
-        </p:txBody>
-      </p:sp>
-      <p:sp>
-        <p:nvSpPr>
-          <p:cNvPr id="27" name="TextBox 26">
-            <a:extLst>
-              <a:ext uri="{FF2B5EF4-FFF2-40B4-BE49-F238E27FC236}">
-                <a16:creationId xmlns:a16="http://schemas.microsoft.com/office/drawing/2014/main" id="{208657EF-AB30-439D-BDCE-32A45BFAD4D1}"/>
-              </a:ext>
-            </a:extLst>
-          </p:cNvPr>
-          <p:cNvSpPr txBox="1"/>
-          <p:nvPr/>
-        </p:nvSpPr>
-        <p:spPr>
-          <a:xfrm>
-            <a:off x="4750528" y="1278834"/>
-            <a:ext cx="2125211" cy="369332"/>
-          </a:xfrm>
-          <a:prstGeom prst="rect">
-            <a:avLst/>
-          </a:prstGeom>
-          <a:noFill/>
-        </p:spPr>
-        <p:txBody>
-          <a:bodyPr wrap="square" rtlCol="0">
-            <a:spAutoFit/>
-          </a:bodyPr>
-          <a:lstStyle/>
-          <a:p>
-            <a:pPr algn="ctr"/>
-            <a:r>
-              <a:rPr lang="en-US" b="1" dirty="0">
-                <a:cs typeface="Times New Roman" panose="02020603050405020304" pitchFamily="18" charset="0"/>
-              </a:rPr>
-              <a:t>Use either strategy</a:t>
-            </a:r>
-          </a:p>
-        </p:txBody>
-      </p:sp>
-    </p:spTree>
-    <p:extLst>
-      <p:ext uri="{BB962C8B-B14F-4D97-AF65-F5344CB8AC3E}">
-        <p14:creationId xmlns:p14="http://schemas.microsoft.com/office/powerpoint/2010/main" val="560297739"/>
-      </p:ext>
-    </p:extLst>
-  </p:cSld>
-  <p:clrMapOvr>
-    <a:masterClrMapping/>
-  </p:clrMapOvr>
-</p:sld>
-</file>
-
-<file path=ppt/slides/slide4.xml><?xml version="1.0" encoding="utf-8"?>
-<p:sld xmlns:a="http://schemas.openxmlformats.org/drawingml/2006/main" xmlns:r="http://schemas.openxmlformats.org/officeDocument/2006/relationships" xmlns:p="http://schemas.openxmlformats.org/presentationml/2006/main">
-  <p:cSld>
-    <p:spTree>
-      <p:nvGrpSpPr>
-        <p:cNvPr id="1" name=""/>
-        <p:cNvGrpSpPr/>
-        <p:nvPr/>
-      </p:nvGrpSpPr>
-      <p:grpSpPr>
-        <a:xfrm>
-          <a:off x="0" y="0"/>
-          <a:ext cx="0" cy="0"/>
-          <a:chOff x="0" y="0"/>
-          <a:chExt cx="0" cy="0"/>
-        </a:xfrm>
-      </p:grpSpPr>
-      <p:sp>
-        <p:nvSpPr>
-          <p:cNvPr id="4" name="Oval 3">
-            <a:extLst>
-              <a:ext uri="{FF2B5EF4-FFF2-40B4-BE49-F238E27FC236}">
-                <a16:creationId xmlns:a16="http://schemas.microsoft.com/office/drawing/2014/main" id="{A07C5931-D85F-4F7F-A19F-1D12B4EEECBA}"/>
-              </a:ext>
-            </a:extLst>
-          </p:cNvPr>
-          <p:cNvSpPr/>
-          <p:nvPr/>
-        </p:nvSpPr>
-        <p:spPr>
-          <a:xfrm>
-            <a:off x="950074" y="3459045"/>
-            <a:ext cx="359677" cy="341163"/>
-          </a:xfrm>
-          <a:prstGeom prst="ellipse">
-            <a:avLst/>
-          </a:prstGeom>
-          <a:noFill/>
-          <a:ln>
-            <a:solidFill>
-              <a:schemeClr val="tx1"/>
-            </a:solidFill>
-          </a:ln>
-        </p:spPr>
-        <p:style>
-          <a:lnRef idx="2">
-            <a:schemeClr val="accent1">
-              <a:shade val="50000"/>
-            </a:schemeClr>
-          </a:lnRef>
-          <a:fillRef idx="1">
-            <a:schemeClr val="accent1"/>
-          </a:fillRef>
-          <a:effectRef idx="0">
-            <a:schemeClr val="accent1"/>
-          </a:effectRef>
-          <a:fontRef idx="minor">
-            <a:schemeClr val="lt1"/>
-          </a:fontRef>
-        </p:style>
-        <p:txBody>
-          <a:bodyPr rtlCol="0" anchor="ctr"/>
-          <a:lstStyle/>
-          <a:p>
-            <a:pPr algn="ctr"/>
-            <a:endParaRPr lang="en-US"/>
-          </a:p>
-        </p:txBody>
-      </p:sp>
-      <p:sp>
-        <p:nvSpPr>
-          <p:cNvPr id="5" name="Oval 4">
-            <a:extLst>
-              <a:ext uri="{FF2B5EF4-FFF2-40B4-BE49-F238E27FC236}">
-                <a16:creationId xmlns:a16="http://schemas.microsoft.com/office/drawing/2014/main" id="{47E1C8E6-ADF6-4268-873B-4408B0BE5414}"/>
-              </a:ext>
-            </a:extLst>
-          </p:cNvPr>
-          <p:cNvSpPr/>
-          <p:nvPr/>
-        </p:nvSpPr>
-        <p:spPr>
-          <a:xfrm>
-            <a:off x="1868659" y="3292933"/>
-            <a:ext cx="682306" cy="639662"/>
-          </a:xfrm>
-          <a:prstGeom prst="ellipse">
-            <a:avLst/>
-          </a:prstGeom>
-          <a:noFill/>
-          <a:ln>
-            <a:solidFill>
-              <a:schemeClr val="tx1"/>
-            </a:solidFill>
-          </a:ln>
-        </p:spPr>
-        <p:style>
-          <a:lnRef idx="2">
-            <a:schemeClr val="accent1">
-              <a:shade val="50000"/>
-            </a:schemeClr>
-          </a:lnRef>
-          <a:fillRef idx="1">
-            <a:schemeClr val="accent1"/>
-          </a:fillRef>
-          <a:effectRef idx="0">
-            <a:schemeClr val="accent1"/>
-          </a:effectRef>
-          <a:fontRef idx="minor">
-            <a:schemeClr val="lt1"/>
-          </a:fontRef>
-        </p:style>
-        <p:txBody>
-          <a:bodyPr rtlCol="0" anchor="ctr"/>
-          <a:lstStyle/>
-          <a:p>
-            <a:pPr algn="ctr"/>
-            <a:endParaRPr lang="en-US"/>
-          </a:p>
-        </p:txBody>
-      </p:sp>
-      <p:sp>
-        <p:nvSpPr>
-          <p:cNvPr id="6" name="Oval 5">
-            <a:extLst>
-              <a:ext uri="{FF2B5EF4-FFF2-40B4-BE49-F238E27FC236}">
-                <a16:creationId xmlns:a16="http://schemas.microsoft.com/office/drawing/2014/main" id="{F0041F1A-D913-4E72-A193-8A160092E4BB}"/>
-              </a:ext>
-            </a:extLst>
-          </p:cNvPr>
-          <p:cNvSpPr/>
-          <p:nvPr/>
-        </p:nvSpPr>
-        <p:spPr>
-          <a:xfrm>
-            <a:off x="3012164" y="3301102"/>
-            <a:ext cx="682307" cy="639661"/>
-          </a:xfrm>
-          <a:prstGeom prst="ellipse">
-            <a:avLst/>
-          </a:prstGeom>
-          <a:noFill/>
-          <a:ln>
-            <a:solidFill>
-              <a:schemeClr val="tx1"/>
-            </a:solidFill>
-          </a:ln>
-        </p:spPr>
-        <p:style>
-          <a:lnRef idx="2">
-            <a:schemeClr val="accent1">
-              <a:shade val="50000"/>
-            </a:schemeClr>
-          </a:lnRef>
-          <a:fillRef idx="1">
-            <a:schemeClr val="accent1"/>
-          </a:fillRef>
-          <a:effectRef idx="0">
-            <a:schemeClr val="accent1"/>
-          </a:effectRef>
-          <a:fontRef idx="minor">
-            <a:schemeClr val="lt1"/>
-          </a:fontRef>
-        </p:style>
-        <p:txBody>
-          <a:bodyPr rtlCol="0" anchor="ctr"/>
-          <a:lstStyle/>
-          <a:p>
-            <a:pPr algn="ctr"/>
-            <a:endParaRPr lang="en-US"/>
-          </a:p>
-        </p:txBody>
-      </p:sp>
-      <p:sp>
-        <p:nvSpPr>
-          <p:cNvPr id="7" name="Oval 6">
-            <a:extLst>
-              <a:ext uri="{FF2B5EF4-FFF2-40B4-BE49-F238E27FC236}">
-                <a16:creationId xmlns:a16="http://schemas.microsoft.com/office/drawing/2014/main" id="{7F3A1102-6802-4087-BCA2-A200858F8959}"/>
-              </a:ext>
-            </a:extLst>
-          </p:cNvPr>
-          <p:cNvSpPr/>
-          <p:nvPr/>
-        </p:nvSpPr>
-        <p:spPr>
-          <a:xfrm>
-            <a:off x="4187004" y="3292933"/>
-            <a:ext cx="682306" cy="639661"/>
-          </a:xfrm>
-          <a:prstGeom prst="ellipse">
-            <a:avLst/>
-          </a:prstGeom>
-          <a:noFill/>
-          <a:ln>
-            <a:solidFill>
-              <a:schemeClr val="tx1"/>
-            </a:solidFill>
-          </a:ln>
-        </p:spPr>
-        <p:style>
-          <a:lnRef idx="2">
-            <a:schemeClr val="accent1">
-              <a:shade val="50000"/>
-            </a:schemeClr>
-          </a:lnRef>
-          <a:fillRef idx="1">
-            <a:schemeClr val="accent1"/>
-          </a:fillRef>
-          <a:effectRef idx="0">
-            <a:schemeClr val="accent1"/>
-          </a:effectRef>
-          <a:fontRef idx="minor">
-            <a:schemeClr val="lt1"/>
-          </a:fontRef>
-        </p:style>
-        <p:txBody>
-          <a:bodyPr rtlCol="0" anchor="ctr"/>
-          <a:lstStyle/>
-          <a:p>
-            <a:pPr algn="ctr"/>
-            <a:endParaRPr lang="en-US"/>
-          </a:p>
-        </p:txBody>
-      </p:sp>
-      <p:sp>
-        <p:nvSpPr>
-          <p:cNvPr id="8" name="Oval 7">
-            <a:extLst>
-              <a:ext uri="{FF2B5EF4-FFF2-40B4-BE49-F238E27FC236}">
-                <a16:creationId xmlns:a16="http://schemas.microsoft.com/office/drawing/2014/main" id="{6EC78ABC-1B37-4148-A6D5-7B2A947F4981}"/>
-              </a:ext>
-            </a:extLst>
-          </p:cNvPr>
-          <p:cNvSpPr/>
-          <p:nvPr/>
-        </p:nvSpPr>
-        <p:spPr>
-          <a:xfrm>
-            <a:off x="5623504" y="2422429"/>
-            <a:ext cx="2125211" cy="1990987"/>
-          </a:xfrm>
-          <a:prstGeom prst="ellipse">
-            <a:avLst/>
-          </a:prstGeom>
-          <a:noFill/>
-          <a:ln>
-            <a:solidFill>
-              <a:schemeClr val="tx1"/>
-            </a:solidFill>
-          </a:ln>
-        </p:spPr>
-        <p:style>
-          <a:lnRef idx="2">
-            <a:schemeClr val="accent1">
-              <a:shade val="50000"/>
-            </a:schemeClr>
-          </a:lnRef>
-          <a:fillRef idx="1">
-            <a:schemeClr val="accent1"/>
-          </a:fillRef>
-          <a:effectRef idx="0">
-            <a:schemeClr val="accent1"/>
-          </a:effectRef>
-          <a:fontRef idx="minor">
-            <a:schemeClr val="lt1"/>
-          </a:fontRef>
-        </p:style>
-        <p:txBody>
-          <a:bodyPr rtlCol="0" anchor="ctr"/>
-          <a:lstStyle/>
-          <a:p>
-            <a:pPr algn="ctr"/>
-            <a:endParaRPr lang="en-US"/>
-          </a:p>
-        </p:txBody>
-      </p:sp>
-      <p:sp>
-        <p:nvSpPr>
-          <p:cNvPr id="9" name="TextBox 8">
-            <a:extLst>
-              <a:ext uri="{FF2B5EF4-FFF2-40B4-BE49-F238E27FC236}">
-                <a16:creationId xmlns:a16="http://schemas.microsoft.com/office/drawing/2014/main" id="{0372BDC4-7C45-4B64-A8C6-5B75A3AA66E8}"/>
-              </a:ext>
-            </a:extLst>
-          </p:cNvPr>
-          <p:cNvSpPr txBox="1"/>
-          <p:nvPr/>
-        </p:nvSpPr>
-        <p:spPr>
-          <a:xfrm>
-            <a:off x="8391605" y="3244896"/>
-            <a:ext cx="1359016" cy="400110"/>
-          </a:xfrm>
-          <a:prstGeom prst="rect">
-            <a:avLst/>
-          </a:prstGeom>
-          <a:noFill/>
-        </p:spPr>
-        <p:txBody>
-          <a:bodyPr wrap="square" rtlCol="0">
-            <a:spAutoFit/>
-          </a:bodyPr>
-          <a:lstStyle/>
-          <a:p>
-            <a:r>
-              <a:rPr lang="en-US" sz="2000" b="1" dirty="0">
-                <a:cs typeface="Times New Roman" panose="02020603050405020304" pitchFamily="18" charset="0"/>
-              </a:rPr>
-              <a:t>Scenario 1</a:t>
-            </a:r>
-          </a:p>
-        </p:txBody>
-      </p:sp>
-      <p:cxnSp>
-        <p:nvCxnSpPr>
-          <p:cNvPr id="10" name="Straight Arrow Connector 9">
-            <a:extLst>
-              <a:ext uri="{FF2B5EF4-FFF2-40B4-BE49-F238E27FC236}">
-                <a16:creationId xmlns:a16="http://schemas.microsoft.com/office/drawing/2014/main" id="{A99CB188-BEA4-48E6-BFCD-546A95FEBB99}"/>
-              </a:ext>
-            </a:extLst>
-          </p:cNvPr>
-          <p:cNvCxnSpPr>
-            <a:cxnSpLocks/>
-          </p:cNvCxnSpPr>
-          <p:nvPr/>
-        </p:nvCxnSpPr>
-        <p:spPr>
-          <a:xfrm flipV="1">
-            <a:off x="1129985" y="2953525"/>
-            <a:ext cx="0" cy="536066"/>
-          </a:xfrm>
-          <a:prstGeom prst="straightConnector1">
-            <a:avLst/>
-          </a:prstGeom>
-          <a:ln>
-            <a:tailEnd type="triangle"/>
-          </a:ln>
-        </p:spPr>
-        <p:style>
-          <a:lnRef idx="2">
-            <a:schemeClr val="dk1"/>
-          </a:lnRef>
-          <a:fillRef idx="0">
-            <a:schemeClr val="dk1"/>
-          </a:fillRef>
-          <a:effectRef idx="1">
-            <a:schemeClr val="dk1"/>
-          </a:effectRef>
-          <a:fontRef idx="minor">
-            <a:schemeClr val="tx1"/>
-          </a:fontRef>
-        </p:style>
-      </p:cxnSp>
-      <p:cxnSp>
-        <p:nvCxnSpPr>
-          <p:cNvPr id="11" name="Straight Arrow Connector 10">
-            <a:extLst>
-              <a:ext uri="{FF2B5EF4-FFF2-40B4-BE49-F238E27FC236}">
-                <a16:creationId xmlns:a16="http://schemas.microsoft.com/office/drawing/2014/main" id="{13897D49-8D3E-4C78-BBBF-196646873E0F}"/>
-              </a:ext>
-            </a:extLst>
-          </p:cNvPr>
-          <p:cNvCxnSpPr>
-            <a:cxnSpLocks/>
-          </p:cNvCxnSpPr>
-          <p:nvPr/>
-        </p:nvCxnSpPr>
-        <p:spPr>
-          <a:xfrm flipV="1">
-            <a:off x="2209812" y="2714070"/>
-            <a:ext cx="0" cy="703852"/>
-          </a:xfrm>
-          <a:prstGeom prst="straightConnector1">
-            <a:avLst/>
-          </a:prstGeom>
-          <a:ln>
-            <a:tailEnd type="triangle"/>
-          </a:ln>
-        </p:spPr>
-        <p:style>
-          <a:lnRef idx="2">
-            <a:schemeClr val="dk1"/>
-          </a:lnRef>
-          <a:fillRef idx="0">
-            <a:schemeClr val="dk1"/>
-          </a:fillRef>
-          <a:effectRef idx="1">
-            <a:schemeClr val="dk1"/>
-          </a:effectRef>
-          <a:fontRef idx="minor">
-            <a:schemeClr val="tx1"/>
-          </a:fontRef>
-        </p:style>
-      </p:cxnSp>
-      <p:cxnSp>
-        <p:nvCxnSpPr>
-          <p:cNvPr id="12" name="Straight Arrow Connector 11">
-            <a:extLst>
-              <a:ext uri="{FF2B5EF4-FFF2-40B4-BE49-F238E27FC236}">
-                <a16:creationId xmlns:a16="http://schemas.microsoft.com/office/drawing/2014/main" id="{C0D59B97-7FD1-455D-8412-BF92C06F900D}"/>
-              </a:ext>
-            </a:extLst>
-          </p:cNvPr>
-          <p:cNvCxnSpPr>
-            <a:cxnSpLocks/>
-          </p:cNvCxnSpPr>
-          <p:nvPr/>
-        </p:nvCxnSpPr>
-        <p:spPr>
-          <a:xfrm flipV="1">
-            <a:off x="3350522" y="2714070"/>
-            <a:ext cx="0" cy="697027"/>
-          </a:xfrm>
-          <a:prstGeom prst="straightConnector1">
-            <a:avLst/>
-          </a:prstGeom>
-          <a:ln>
-            <a:tailEnd type="triangle"/>
-          </a:ln>
-        </p:spPr>
-        <p:style>
-          <a:lnRef idx="2">
-            <a:schemeClr val="dk1"/>
-          </a:lnRef>
-          <a:fillRef idx="0">
-            <a:schemeClr val="dk1"/>
-          </a:fillRef>
-          <a:effectRef idx="1">
-            <a:schemeClr val="dk1"/>
-          </a:effectRef>
-          <a:fontRef idx="minor">
-            <a:schemeClr val="tx1"/>
-          </a:fontRef>
-        </p:style>
-      </p:cxnSp>
-      <p:cxnSp>
-        <p:nvCxnSpPr>
-          <p:cNvPr id="13" name="Straight Arrow Connector 12">
-            <a:extLst>
-              <a:ext uri="{FF2B5EF4-FFF2-40B4-BE49-F238E27FC236}">
-                <a16:creationId xmlns:a16="http://schemas.microsoft.com/office/drawing/2014/main" id="{E3660ED8-2786-42C1-9F0E-CD6C3756136C}"/>
-              </a:ext>
-            </a:extLst>
-          </p:cNvPr>
-          <p:cNvCxnSpPr>
-            <a:cxnSpLocks/>
-          </p:cNvCxnSpPr>
-          <p:nvPr/>
-        </p:nvCxnSpPr>
-        <p:spPr>
-          <a:xfrm flipV="1">
-            <a:off x="4530281" y="2714070"/>
-            <a:ext cx="0" cy="659212"/>
-          </a:xfrm>
-          <a:prstGeom prst="straightConnector1">
-            <a:avLst/>
-          </a:prstGeom>
-          <a:ln>
-            <a:tailEnd type="triangle"/>
-          </a:ln>
-        </p:spPr>
-        <p:style>
-          <a:lnRef idx="2">
-            <a:schemeClr val="dk1"/>
-          </a:lnRef>
-          <a:fillRef idx="0">
-            <a:schemeClr val="dk1"/>
-          </a:fillRef>
-          <a:effectRef idx="1">
-            <a:schemeClr val="dk1"/>
-          </a:effectRef>
-          <a:fontRef idx="minor">
-            <a:schemeClr val="tx1"/>
-          </a:fontRef>
-        </p:style>
-      </p:cxnSp>
-      <p:cxnSp>
-        <p:nvCxnSpPr>
-          <p:cNvPr id="14" name="Straight Arrow Connector 13">
-            <a:extLst>
-              <a:ext uri="{FF2B5EF4-FFF2-40B4-BE49-F238E27FC236}">
-                <a16:creationId xmlns:a16="http://schemas.microsoft.com/office/drawing/2014/main" id="{317F1299-5B0D-4307-BCE2-ED5F5FA774BE}"/>
-              </a:ext>
-            </a:extLst>
-          </p:cNvPr>
-          <p:cNvCxnSpPr>
-            <a:cxnSpLocks/>
-          </p:cNvCxnSpPr>
-          <p:nvPr/>
-        </p:nvCxnSpPr>
-        <p:spPr>
-          <a:xfrm flipV="1">
-            <a:off x="6675485" y="2105836"/>
-            <a:ext cx="1" cy="894518"/>
-          </a:xfrm>
-          <a:prstGeom prst="straightConnector1">
-            <a:avLst/>
-          </a:prstGeom>
-          <a:ln>
-            <a:tailEnd type="triangle"/>
-          </a:ln>
-        </p:spPr>
-        <p:style>
-          <a:lnRef idx="2">
-            <a:schemeClr val="dk1"/>
-          </a:lnRef>
-          <a:fillRef idx="0">
-            <a:schemeClr val="dk1"/>
-          </a:fillRef>
-          <a:effectRef idx="1">
-            <a:schemeClr val="dk1"/>
-          </a:effectRef>
-          <a:fontRef idx="minor">
-            <a:schemeClr val="tx1"/>
-          </a:fontRef>
-        </p:style>
-      </p:cxnSp>
-      <p:cxnSp>
-        <p:nvCxnSpPr>
-          <p:cNvPr id="15" name="Straight Arrow Connector 14">
-            <a:extLst>
-              <a:ext uri="{FF2B5EF4-FFF2-40B4-BE49-F238E27FC236}">
-                <a16:creationId xmlns:a16="http://schemas.microsoft.com/office/drawing/2014/main" id="{57700B38-3745-464E-9046-ED06308EBC0B}"/>
-              </a:ext>
-            </a:extLst>
-          </p:cNvPr>
-          <p:cNvCxnSpPr>
-            <a:cxnSpLocks/>
-          </p:cNvCxnSpPr>
-          <p:nvPr/>
-        </p:nvCxnSpPr>
-        <p:spPr>
-          <a:xfrm>
-            <a:off x="1128974" y="3724934"/>
-            <a:ext cx="0" cy="620564"/>
-          </a:xfrm>
-          <a:prstGeom prst="straightConnector1">
-            <a:avLst/>
-          </a:prstGeom>
-          <a:ln>
-            <a:tailEnd type="triangle"/>
-          </a:ln>
-        </p:spPr>
-        <p:style>
-          <a:lnRef idx="2">
-            <a:schemeClr val="accent3"/>
-          </a:lnRef>
-          <a:fillRef idx="0">
-            <a:schemeClr val="accent3"/>
-          </a:fillRef>
-          <a:effectRef idx="1">
-            <a:schemeClr val="accent3"/>
-          </a:effectRef>
-          <a:fontRef idx="minor">
-            <a:schemeClr val="tx1"/>
-          </a:fontRef>
-        </p:style>
-      </p:cxnSp>
-      <p:cxnSp>
-        <p:nvCxnSpPr>
-          <p:cNvPr id="16" name="Straight Arrow Connector 15">
-            <a:extLst>
-              <a:ext uri="{FF2B5EF4-FFF2-40B4-BE49-F238E27FC236}">
-                <a16:creationId xmlns:a16="http://schemas.microsoft.com/office/drawing/2014/main" id="{802D4EAB-AA30-4149-B84E-4C2E4330CB36}"/>
-              </a:ext>
-            </a:extLst>
-          </p:cNvPr>
-          <p:cNvCxnSpPr>
-            <a:cxnSpLocks/>
-          </p:cNvCxnSpPr>
-          <p:nvPr/>
-        </p:nvCxnSpPr>
-        <p:spPr>
-          <a:xfrm flipH="1">
-            <a:off x="2209812" y="3831098"/>
-            <a:ext cx="1146" cy="705133"/>
-          </a:xfrm>
-          <a:prstGeom prst="straightConnector1">
-            <a:avLst/>
-          </a:prstGeom>
-          <a:ln>
-            <a:tailEnd type="triangle"/>
-          </a:ln>
-        </p:spPr>
-        <p:style>
-          <a:lnRef idx="2">
-            <a:schemeClr val="accent3"/>
-          </a:lnRef>
-          <a:fillRef idx="0">
-            <a:schemeClr val="accent3"/>
-          </a:fillRef>
-          <a:effectRef idx="1">
-            <a:schemeClr val="accent3"/>
-          </a:effectRef>
-          <a:fontRef idx="minor">
-            <a:schemeClr val="tx1"/>
-          </a:fontRef>
-        </p:style>
-      </p:cxnSp>
-      <p:cxnSp>
-        <p:nvCxnSpPr>
-          <p:cNvPr id="17" name="Straight Arrow Connector 16">
-            <a:extLst>
-              <a:ext uri="{FF2B5EF4-FFF2-40B4-BE49-F238E27FC236}">
-                <a16:creationId xmlns:a16="http://schemas.microsoft.com/office/drawing/2014/main" id="{722A78FE-E56A-4266-A478-C02B8A254549}"/>
-              </a:ext>
-            </a:extLst>
-          </p:cNvPr>
-          <p:cNvCxnSpPr>
-            <a:cxnSpLocks/>
-          </p:cNvCxnSpPr>
-          <p:nvPr/>
-        </p:nvCxnSpPr>
-        <p:spPr>
-          <a:xfrm>
-            <a:off x="3345448" y="3835534"/>
-            <a:ext cx="12857" cy="700697"/>
-          </a:xfrm>
-          <a:prstGeom prst="straightConnector1">
-            <a:avLst/>
-          </a:prstGeom>
-          <a:ln>
-            <a:tailEnd type="triangle"/>
-          </a:ln>
-        </p:spPr>
-        <p:style>
-          <a:lnRef idx="2">
-            <a:schemeClr val="accent3"/>
-          </a:lnRef>
-          <a:fillRef idx="0">
-            <a:schemeClr val="accent3"/>
-          </a:fillRef>
-          <a:effectRef idx="1">
-            <a:schemeClr val="accent3"/>
-          </a:effectRef>
-          <a:fontRef idx="minor">
-            <a:schemeClr val="tx1"/>
-          </a:fontRef>
-        </p:style>
-      </p:cxnSp>
-      <p:cxnSp>
-        <p:nvCxnSpPr>
-          <p:cNvPr id="18" name="Straight Arrow Connector 17">
-            <a:extLst>
-              <a:ext uri="{FF2B5EF4-FFF2-40B4-BE49-F238E27FC236}">
-                <a16:creationId xmlns:a16="http://schemas.microsoft.com/office/drawing/2014/main" id="{BDF64E9A-DC18-4FA8-AA16-5EC38B5780E1}"/>
-              </a:ext>
-            </a:extLst>
-          </p:cNvPr>
-          <p:cNvCxnSpPr>
-            <a:cxnSpLocks/>
-          </p:cNvCxnSpPr>
-          <p:nvPr/>
-        </p:nvCxnSpPr>
-        <p:spPr>
-          <a:xfrm>
-            <a:off x="4520304" y="3828642"/>
-            <a:ext cx="15703" cy="699760"/>
-          </a:xfrm>
-          <a:prstGeom prst="straightConnector1">
-            <a:avLst/>
-          </a:prstGeom>
-          <a:ln>
-            <a:tailEnd type="triangle"/>
-          </a:ln>
-        </p:spPr>
-        <p:style>
-          <a:lnRef idx="2">
-            <a:schemeClr val="accent3"/>
-          </a:lnRef>
-          <a:fillRef idx="0">
-            <a:schemeClr val="accent3"/>
-          </a:fillRef>
-          <a:effectRef idx="1">
-            <a:schemeClr val="accent3"/>
-          </a:effectRef>
-          <a:fontRef idx="minor">
-            <a:schemeClr val="tx1"/>
-          </a:fontRef>
-        </p:style>
-      </p:cxnSp>
-      <p:cxnSp>
-        <p:nvCxnSpPr>
-          <p:cNvPr id="19" name="Straight Arrow Connector 18">
-            <a:extLst>
-              <a:ext uri="{FF2B5EF4-FFF2-40B4-BE49-F238E27FC236}">
-                <a16:creationId xmlns:a16="http://schemas.microsoft.com/office/drawing/2014/main" id="{4EF6718C-A025-4868-8463-EA3CDED88F41}"/>
-              </a:ext>
-            </a:extLst>
-          </p:cNvPr>
-          <p:cNvCxnSpPr>
-            <a:cxnSpLocks/>
-          </p:cNvCxnSpPr>
-          <p:nvPr/>
-        </p:nvCxnSpPr>
-        <p:spPr>
-          <a:xfrm>
-            <a:off x="6686107" y="4016056"/>
-            <a:ext cx="0" cy="794719"/>
-          </a:xfrm>
-          <a:prstGeom prst="straightConnector1">
-            <a:avLst/>
-          </a:prstGeom>
-          <a:ln>
-            <a:tailEnd type="triangle"/>
-          </a:ln>
-        </p:spPr>
-        <p:style>
-          <a:lnRef idx="2">
-            <a:schemeClr val="accent3"/>
-          </a:lnRef>
-          <a:fillRef idx="0">
-            <a:schemeClr val="accent3"/>
-          </a:fillRef>
-          <a:effectRef idx="1">
-            <a:schemeClr val="accent3"/>
-          </a:effectRef>
-          <a:fontRef idx="minor">
-            <a:schemeClr val="tx1"/>
-          </a:fontRef>
-        </p:style>
-      </p:cxnSp>
-      <p:sp>
-        <p:nvSpPr>
-          <p:cNvPr id="20" name="TextBox 19">
-            <a:extLst>
-              <a:ext uri="{FF2B5EF4-FFF2-40B4-BE49-F238E27FC236}">
-                <a16:creationId xmlns:a16="http://schemas.microsoft.com/office/drawing/2014/main" id="{882ABA87-FB04-42F6-89B7-5AE075528202}"/>
-              </a:ext>
-            </a:extLst>
-          </p:cNvPr>
-          <p:cNvSpPr txBox="1"/>
-          <p:nvPr/>
-        </p:nvSpPr>
-        <p:spPr>
-          <a:xfrm>
-            <a:off x="897550" y="5212293"/>
-            <a:ext cx="1788252" cy="461665"/>
-          </a:xfrm>
-          <a:prstGeom prst="rect">
-            <a:avLst/>
-          </a:prstGeom>
-          <a:noFill/>
-        </p:spPr>
-        <p:txBody>
-          <a:bodyPr wrap="square" rtlCol="0">
-            <a:spAutoFit/>
-          </a:bodyPr>
-          <a:lstStyle/>
-          <a:p>
-            <a:r>
-              <a:rPr lang="en-US" sz="2400" b="1" dirty="0">
-                <a:cs typeface="Times New Roman" panose="02020603050405020304" pitchFamily="18" charset="0"/>
-              </a:rPr>
-              <a:t>Proportional</a:t>
-            </a:r>
-          </a:p>
-        </p:txBody>
-      </p:sp>
-      <p:sp>
-        <p:nvSpPr>
-          <p:cNvPr id="21" name="TextBox 20">
-            <a:extLst>
-              <a:ext uri="{FF2B5EF4-FFF2-40B4-BE49-F238E27FC236}">
-                <a16:creationId xmlns:a16="http://schemas.microsoft.com/office/drawing/2014/main" id="{A64AC910-7225-41F9-88F2-4D2834566B7E}"/>
-              </a:ext>
-            </a:extLst>
-          </p:cNvPr>
-          <p:cNvSpPr txBox="1"/>
-          <p:nvPr/>
-        </p:nvSpPr>
-        <p:spPr>
-          <a:xfrm>
-            <a:off x="897550" y="1552362"/>
-            <a:ext cx="1788252" cy="461665"/>
-          </a:xfrm>
-          <a:prstGeom prst="rect">
-            <a:avLst/>
-          </a:prstGeom>
-          <a:noFill/>
-        </p:spPr>
-        <p:txBody>
-          <a:bodyPr wrap="square" rtlCol="0">
-            <a:spAutoFit/>
-          </a:bodyPr>
-          <a:lstStyle/>
-          <a:p>
-            <a:r>
-              <a:rPr lang="en-US" sz="2400" b="1" dirty="0">
-                <a:cs typeface="Times New Roman" panose="02020603050405020304" pitchFamily="18" charset="0"/>
-              </a:rPr>
-              <a:t>Equal</a:t>
-            </a:r>
-          </a:p>
-        </p:txBody>
-      </p:sp>
-      <p:sp>
-        <p:nvSpPr>
-          <p:cNvPr id="22" name="TextBox 21">
-            <a:extLst>
-              <a:ext uri="{FF2B5EF4-FFF2-40B4-BE49-F238E27FC236}">
-                <a16:creationId xmlns:a16="http://schemas.microsoft.com/office/drawing/2014/main" id="{DFDB836C-CE20-4701-9C7E-5E2083A2F3F7}"/>
-              </a:ext>
-            </a:extLst>
-          </p:cNvPr>
-          <p:cNvSpPr txBox="1"/>
-          <p:nvPr/>
-        </p:nvSpPr>
-        <p:spPr>
-          <a:xfrm>
-            <a:off x="897550" y="3429000"/>
-            <a:ext cx="464723" cy="400110"/>
-          </a:xfrm>
-          <a:prstGeom prst="rect">
-            <a:avLst/>
-          </a:prstGeom>
-          <a:noFill/>
-        </p:spPr>
-        <p:txBody>
-          <a:bodyPr wrap="square" rtlCol="0">
-            <a:spAutoFit/>
-          </a:bodyPr>
-          <a:lstStyle/>
-          <a:p>
-            <a:r>
-              <a:rPr lang="en-US" sz="2000" dirty="0">
-                <a:cs typeface="Times New Roman" panose="02020603050405020304" pitchFamily="18" charset="0"/>
-              </a:rPr>
-              <a:t>30</a:t>
-            </a:r>
-            <a:endParaRPr lang="en-US" sz="1400" dirty="0">
-              <a:cs typeface="Times New Roman" panose="02020603050405020304" pitchFamily="18" charset="0"/>
-            </a:endParaRPr>
-          </a:p>
-        </p:txBody>
-      </p:sp>
-      <p:sp>
-        <p:nvSpPr>
-          <p:cNvPr id="23" name="TextBox 22">
-            <a:extLst>
-              <a:ext uri="{FF2B5EF4-FFF2-40B4-BE49-F238E27FC236}">
-                <a16:creationId xmlns:a16="http://schemas.microsoft.com/office/drawing/2014/main" id="{2E2C3B80-C515-405D-B2A4-8D47A335C4FA}"/>
-              </a:ext>
-            </a:extLst>
-          </p:cNvPr>
-          <p:cNvSpPr txBox="1"/>
-          <p:nvPr/>
-        </p:nvSpPr>
-        <p:spPr>
-          <a:xfrm>
-            <a:off x="1916449" y="3400098"/>
-            <a:ext cx="776859" cy="400110"/>
-          </a:xfrm>
-          <a:prstGeom prst="rect">
-            <a:avLst/>
-          </a:prstGeom>
-          <a:noFill/>
-        </p:spPr>
-        <p:txBody>
-          <a:bodyPr wrap="square" rtlCol="0">
-            <a:spAutoFit/>
-          </a:bodyPr>
-          <a:lstStyle/>
-          <a:p>
-            <a:r>
-              <a:rPr lang="en-US" sz="2000" dirty="0">
-                <a:cs typeface="Times New Roman" panose="02020603050405020304" pitchFamily="18" charset="0"/>
-              </a:rPr>
-              <a:t>100</a:t>
-            </a:r>
-          </a:p>
-        </p:txBody>
-      </p:sp>
-      <p:sp>
-        <p:nvSpPr>
-          <p:cNvPr id="24" name="TextBox 23">
-            <a:extLst>
-              <a:ext uri="{FF2B5EF4-FFF2-40B4-BE49-F238E27FC236}">
-                <a16:creationId xmlns:a16="http://schemas.microsoft.com/office/drawing/2014/main" id="{B708AC4E-16BB-44E6-B2D8-160AFEC83696}"/>
-              </a:ext>
-            </a:extLst>
-          </p:cNvPr>
-          <p:cNvSpPr txBox="1"/>
-          <p:nvPr/>
-        </p:nvSpPr>
-        <p:spPr>
-          <a:xfrm>
-            <a:off x="3049636" y="3417923"/>
-            <a:ext cx="626336" cy="400110"/>
-          </a:xfrm>
-          <a:prstGeom prst="rect">
-            <a:avLst/>
-          </a:prstGeom>
-          <a:noFill/>
-        </p:spPr>
-        <p:txBody>
-          <a:bodyPr wrap="square" rtlCol="0">
-            <a:spAutoFit/>
-          </a:bodyPr>
-          <a:lstStyle/>
-          <a:p>
-            <a:r>
-              <a:rPr lang="en-US" sz="2000" dirty="0">
-                <a:cs typeface="Times New Roman" panose="02020603050405020304" pitchFamily="18" charset="0"/>
-              </a:rPr>
-              <a:t>100</a:t>
-            </a:r>
-            <a:endParaRPr lang="en-US" dirty="0">
-              <a:cs typeface="Times New Roman" panose="02020603050405020304" pitchFamily="18" charset="0"/>
-            </a:endParaRPr>
-          </a:p>
-        </p:txBody>
-      </p:sp>
-      <p:sp>
-        <p:nvSpPr>
-          <p:cNvPr id="25" name="TextBox 24">
-            <a:extLst>
-              <a:ext uri="{FF2B5EF4-FFF2-40B4-BE49-F238E27FC236}">
-                <a16:creationId xmlns:a16="http://schemas.microsoft.com/office/drawing/2014/main" id="{035C6FEE-130A-4CC8-B0A1-08A5728E3F59}"/>
-              </a:ext>
-            </a:extLst>
-          </p:cNvPr>
-          <p:cNvSpPr txBox="1"/>
-          <p:nvPr/>
-        </p:nvSpPr>
-        <p:spPr>
-          <a:xfrm>
-            <a:off x="4225381" y="3400907"/>
-            <a:ext cx="682306" cy="400110"/>
-          </a:xfrm>
-          <a:prstGeom prst="rect">
-            <a:avLst/>
-          </a:prstGeom>
-          <a:noFill/>
-        </p:spPr>
-        <p:txBody>
-          <a:bodyPr wrap="square" rtlCol="0">
-            <a:spAutoFit/>
-          </a:bodyPr>
-          <a:lstStyle/>
-          <a:p>
-            <a:r>
-              <a:rPr lang="en-US" sz="2000" dirty="0">
-                <a:cs typeface="Times New Roman" panose="02020603050405020304" pitchFamily="18" charset="0"/>
-              </a:rPr>
-              <a:t>100</a:t>
-            </a:r>
-            <a:endParaRPr lang="en-US" sz="1400" dirty="0">
-              <a:cs typeface="Times New Roman" panose="02020603050405020304" pitchFamily="18" charset="0"/>
-            </a:endParaRPr>
-          </a:p>
-        </p:txBody>
-      </p:sp>
-      <p:sp>
-        <p:nvSpPr>
-          <p:cNvPr id="26" name="TextBox 25">
-            <a:extLst>
-              <a:ext uri="{FF2B5EF4-FFF2-40B4-BE49-F238E27FC236}">
-                <a16:creationId xmlns:a16="http://schemas.microsoft.com/office/drawing/2014/main" id="{EF2C310A-A022-4A31-884B-DB82989614EF}"/>
-              </a:ext>
-            </a:extLst>
-          </p:cNvPr>
-          <p:cNvSpPr txBox="1"/>
-          <p:nvPr/>
-        </p:nvSpPr>
-        <p:spPr>
-          <a:xfrm>
-            <a:off x="6266394" y="3305213"/>
-            <a:ext cx="839429" cy="400110"/>
-          </a:xfrm>
-          <a:prstGeom prst="rect">
-            <a:avLst/>
-          </a:prstGeom>
-          <a:noFill/>
-        </p:spPr>
-        <p:txBody>
-          <a:bodyPr wrap="square" rtlCol="0">
-            <a:spAutoFit/>
-          </a:bodyPr>
-          <a:lstStyle/>
-          <a:p>
-            <a:r>
-              <a:rPr lang="en-US" sz="2000" dirty="0">
-                <a:cs typeface="Times New Roman" panose="02020603050405020304" pitchFamily="18" charset="0"/>
-              </a:rPr>
-              <a:t>1170</a:t>
-            </a:r>
-            <a:endParaRPr lang="en-US" dirty="0">
-              <a:cs typeface="Times New Roman" panose="02020603050405020304" pitchFamily="18" charset="0"/>
-            </a:endParaRPr>
-          </a:p>
-        </p:txBody>
-      </p:sp>
-      <p:sp>
-        <p:nvSpPr>
-          <p:cNvPr id="27" name="TextBox 26">
-            <a:extLst>
-              <a:ext uri="{FF2B5EF4-FFF2-40B4-BE49-F238E27FC236}">
-                <a16:creationId xmlns:a16="http://schemas.microsoft.com/office/drawing/2014/main" id="{8BEC084F-6281-4ABF-9FB5-7F051111140E}"/>
-              </a:ext>
-            </a:extLst>
-          </p:cNvPr>
-          <p:cNvSpPr txBox="1"/>
-          <p:nvPr/>
-        </p:nvSpPr>
-        <p:spPr>
-          <a:xfrm>
-            <a:off x="4312647" y="4475503"/>
-            <a:ext cx="464723" cy="400110"/>
-          </a:xfrm>
-          <a:prstGeom prst="rect">
-            <a:avLst/>
-          </a:prstGeom>
-          <a:noFill/>
-        </p:spPr>
-        <p:txBody>
-          <a:bodyPr wrap="square" rtlCol="0">
-            <a:spAutoFit/>
-          </a:bodyPr>
-          <a:lstStyle/>
-          <a:p>
-            <a:r>
-              <a:rPr lang="en-US" sz="2000" dirty="0">
-                <a:cs typeface="Times New Roman" panose="02020603050405020304" pitchFamily="18" charset="0"/>
-              </a:rPr>
-              <a:t>10</a:t>
-            </a:r>
-            <a:endParaRPr lang="en-US" dirty="0">
-              <a:cs typeface="Times New Roman" panose="02020603050405020304" pitchFamily="18" charset="0"/>
-            </a:endParaRPr>
-          </a:p>
-        </p:txBody>
-      </p:sp>
-      <p:sp>
-        <p:nvSpPr>
-          <p:cNvPr id="28" name="TextBox 27">
-            <a:extLst>
-              <a:ext uri="{FF2B5EF4-FFF2-40B4-BE49-F238E27FC236}">
-                <a16:creationId xmlns:a16="http://schemas.microsoft.com/office/drawing/2014/main" id="{18E4FA3B-E51E-4F34-95E1-EACD85F25460}"/>
-              </a:ext>
-            </a:extLst>
-          </p:cNvPr>
-          <p:cNvSpPr txBox="1"/>
-          <p:nvPr/>
-        </p:nvSpPr>
-        <p:spPr>
-          <a:xfrm>
-            <a:off x="6395023" y="4810775"/>
-            <a:ext cx="873556" cy="400110"/>
-          </a:xfrm>
-          <a:prstGeom prst="rect">
-            <a:avLst/>
-          </a:prstGeom>
-          <a:noFill/>
-        </p:spPr>
-        <p:txBody>
-          <a:bodyPr wrap="square" rtlCol="0">
-            <a:spAutoFit/>
-          </a:bodyPr>
-          <a:lstStyle/>
-          <a:p>
-            <a:r>
-              <a:rPr lang="en-US" sz="2000" dirty="0">
-                <a:cs typeface="Times New Roman" panose="02020603050405020304" pitchFamily="18" charset="0"/>
-              </a:rPr>
-              <a:t>117</a:t>
-            </a:r>
-            <a:endParaRPr lang="en-US" sz="1600" dirty="0">
-              <a:cs typeface="Times New Roman" panose="02020603050405020304" pitchFamily="18" charset="0"/>
-            </a:endParaRPr>
-          </a:p>
-        </p:txBody>
-      </p:sp>
-      <p:sp>
-        <p:nvSpPr>
-          <p:cNvPr id="29" name="TextBox 28">
-            <a:extLst>
-              <a:ext uri="{FF2B5EF4-FFF2-40B4-BE49-F238E27FC236}">
-                <a16:creationId xmlns:a16="http://schemas.microsoft.com/office/drawing/2014/main" id="{5A38F250-9ABF-4E0C-A123-511A3354BC8D}"/>
-              </a:ext>
-            </a:extLst>
-          </p:cNvPr>
-          <p:cNvSpPr txBox="1"/>
-          <p:nvPr/>
-        </p:nvSpPr>
-        <p:spPr>
-          <a:xfrm>
-            <a:off x="3138392" y="4475503"/>
-            <a:ext cx="464723" cy="400110"/>
-          </a:xfrm>
-          <a:prstGeom prst="rect">
-            <a:avLst/>
-          </a:prstGeom>
-          <a:noFill/>
-        </p:spPr>
-        <p:txBody>
-          <a:bodyPr wrap="square" rtlCol="0">
-            <a:spAutoFit/>
-          </a:bodyPr>
-          <a:lstStyle/>
-          <a:p>
-            <a:r>
-              <a:rPr lang="en-US" sz="2000" dirty="0">
-                <a:cs typeface="Times New Roman" panose="02020603050405020304" pitchFamily="18" charset="0"/>
-              </a:rPr>
-              <a:t>10</a:t>
-            </a:r>
-            <a:endParaRPr lang="en-US" dirty="0">
-              <a:cs typeface="Times New Roman" panose="02020603050405020304" pitchFamily="18" charset="0"/>
-            </a:endParaRPr>
-          </a:p>
-        </p:txBody>
-      </p:sp>
-      <p:sp>
-        <p:nvSpPr>
-          <p:cNvPr id="30" name="TextBox 29">
-            <a:extLst>
-              <a:ext uri="{FF2B5EF4-FFF2-40B4-BE49-F238E27FC236}">
-                <a16:creationId xmlns:a16="http://schemas.microsoft.com/office/drawing/2014/main" id="{8460ECED-E97E-4551-B1D5-8D458F5782DD}"/>
-              </a:ext>
-            </a:extLst>
-          </p:cNvPr>
-          <p:cNvSpPr txBox="1"/>
-          <p:nvPr/>
-        </p:nvSpPr>
-        <p:spPr>
-          <a:xfrm>
-            <a:off x="2020246" y="4475503"/>
-            <a:ext cx="464723" cy="400110"/>
-          </a:xfrm>
-          <a:prstGeom prst="rect">
-            <a:avLst/>
-          </a:prstGeom>
-          <a:noFill/>
-        </p:spPr>
-        <p:txBody>
-          <a:bodyPr wrap="square" rtlCol="0">
-            <a:spAutoFit/>
-          </a:bodyPr>
-          <a:lstStyle/>
-          <a:p>
-            <a:r>
-              <a:rPr lang="en-US" sz="2000" dirty="0">
-                <a:cs typeface="Times New Roman" panose="02020603050405020304" pitchFamily="18" charset="0"/>
-              </a:rPr>
-              <a:t>10</a:t>
-            </a:r>
-            <a:endParaRPr lang="en-US" dirty="0">
-              <a:cs typeface="Times New Roman" panose="02020603050405020304" pitchFamily="18" charset="0"/>
-            </a:endParaRPr>
-          </a:p>
-        </p:txBody>
-      </p:sp>
-      <p:sp>
-        <p:nvSpPr>
-          <p:cNvPr id="31" name="TextBox 30">
-            <a:extLst>
-              <a:ext uri="{FF2B5EF4-FFF2-40B4-BE49-F238E27FC236}">
-                <a16:creationId xmlns:a16="http://schemas.microsoft.com/office/drawing/2014/main" id="{FB9A1A00-3258-4CB3-A293-FD4D131AD733}"/>
-              </a:ext>
-            </a:extLst>
-          </p:cNvPr>
-          <p:cNvSpPr txBox="1"/>
-          <p:nvPr/>
-        </p:nvSpPr>
-        <p:spPr>
-          <a:xfrm>
-            <a:off x="989225" y="4294911"/>
-            <a:ext cx="464723" cy="400110"/>
-          </a:xfrm>
-          <a:prstGeom prst="rect">
-            <a:avLst/>
-          </a:prstGeom>
-          <a:noFill/>
-        </p:spPr>
-        <p:txBody>
-          <a:bodyPr wrap="square" rtlCol="0">
-            <a:spAutoFit/>
-          </a:bodyPr>
-          <a:lstStyle/>
-          <a:p>
-            <a:r>
-              <a:rPr lang="en-US" sz="2000" dirty="0">
-                <a:cs typeface="Times New Roman" panose="02020603050405020304" pitchFamily="18" charset="0"/>
-              </a:rPr>
-              <a:t>3</a:t>
-            </a:r>
-            <a:endParaRPr lang="en-US" dirty="0">
-              <a:cs typeface="Times New Roman" panose="02020603050405020304" pitchFamily="18" charset="0"/>
-            </a:endParaRPr>
-          </a:p>
-        </p:txBody>
-      </p:sp>
-      <p:sp>
-        <p:nvSpPr>
-          <p:cNvPr id="32" name="TextBox 31">
-            <a:extLst>
-              <a:ext uri="{FF2B5EF4-FFF2-40B4-BE49-F238E27FC236}">
-                <a16:creationId xmlns:a16="http://schemas.microsoft.com/office/drawing/2014/main" id="{575B2C09-BAC8-43C3-B450-37AB8C71F16E}"/>
-              </a:ext>
-            </a:extLst>
-          </p:cNvPr>
-          <p:cNvSpPr txBox="1"/>
-          <p:nvPr/>
-        </p:nvSpPr>
-        <p:spPr>
-          <a:xfrm>
-            <a:off x="898825" y="2600244"/>
-            <a:ext cx="464723" cy="400110"/>
-          </a:xfrm>
-          <a:prstGeom prst="rect">
-            <a:avLst/>
-          </a:prstGeom>
-          <a:noFill/>
-        </p:spPr>
-        <p:txBody>
-          <a:bodyPr wrap="square" rtlCol="0">
-            <a:spAutoFit/>
-          </a:bodyPr>
-          <a:lstStyle/>
-          <a:p>
-            <a:r>
-              <a:rPr lang="en-US" sz="2000" dirty="0">
-                <a:cs typeface="Times New Roman" panose="02020603050405020304" pitchFamily="18" charset="0"/>
-              </a:rPr>
-              <a:t>30</a:t>
-            </a:r>
-            <a:endParaRPr lang="en-US" dirty="0">
-              <a:cs typeface="Times New Roman" panose="02020603050405020304" pitchFamily="18" charset="0"/>
-            </a:endParaRPr>
-          </a:p>
-        </p:txBody>
-      </p:sp>
-      <p:sp>
-        <p:nvSpPr>
-          <p:cNvPr id="33" name="TextBox 32">
-            <a:extLst>
-              <a:ext uri="{FF2B5EF4-FFF2-40B4-BE49-F238E27FC236}">
-                <a16:creationId xmlns:a16="http://schemas.microsoft.com/office/drawing/2014/main" id="{72C5ADBF-EC67-46BE-A4D2-64F4F82BBF39}"/>
-              </a:ext>
-            </a:extLst>
-          </p:cNvPr>
-          <p:cNvSpPr txBox="1"/>
-          <p:nvPr/>
-        </p:nvSpPr>
-        <p:spPr>
-          <a:xfrm>
-            <a:off x="1998120" y="2332047"/>
-            <a:ext cx="464723" cy="400110"/>
-          </a:xfrm>
-          <a:prstGeom prst="rect">
-            <a:avLst/>
-          </a:prstGeom>
-          <a:noFill/>
-        </p:spPr>
-        <p:txBody>
-          <a:bodyPr wrap="square" rtlCol="0">
-            <a:spAutoFit/>
-          </a:bodyPr>
-          <a:lstStyle/>
-          <a:p>
-            <a:r>
-              <a:rPr lang="en-US" sz="2000" dirty="0">
-                <a:cs typeface="Times New Roman" panose="02020603050405020304" pitchFamily="18" charset="0"/>
-              </a:rPr>
-              <a:t>30</a:t>
-            </a:r>
-            <a:endParaRPr lang="en-US" dirty="0">
-              <a:cs typeface="Times New Roman" panose="02020603050405020304" pitchFamily="18" charset="0"/>
-            </a:endParaRPr>
-          </a:p>
-        </p:txBody>
-      </p:sp>
-      <p:sp>
-        <p:nvSpPr>
-          <p:cNvPr id="34" name="TextBox 33">
-            <a:extLst>
-              <a:ext uri="{FF2B5EF4-FFF2-40B4-BE49-F238E27FC236}">
-                <a16:creationId xmlns:a16="http://schemas.microsoft.com/office/drawing/2014/main" id="{6811D60E-55A9-4DD1-8CEA-793C3C165C48}"/>
-              </a:ext>
-            </a:extLst>
-          </p:cNvPr>
-          <p:cNvSpPr txBox="1"/>
-          <p:nvPr/>
-        </p:nvSpPr>
-        <p:spPr>
-          <a:xfrm>
-            <a:off x="3134893" y="2332047"/>
-            <a:ext cx="464723" cy="400110"/>
-          </a:xfrm>
-          <a:prstGeom prst="rect">
-            <a:avLst/>
-          </a:prstGeom>
-          <a:noFill/>
-        </p:spPr>
-        <p:txBody>
-          <a:bodyPr wrap="square" rtlCol="0">
-            <a:spAutoFit/>
-          </a:bodyPr>
-          <a:lstStyle/>
-          <a:p>
-            <a:r>
-              <a:rPr lang="en-US" sz="2000" dirty="0">
-                <a:cs typeface="Times New Roman" panose="02020603050405020304" pitchFamily="18" charset="0"/>
-              </a:rPr>
-              <a:t>30</a:t>
-            </a:r>
-            <a:endParaRPr lang="en-US" sz="1600" dirty="0">
-              <a:cs typeface="Times New Roman" panose="02020603050405020304" pitchFamily="18" charset="0"/>
-            </a:endParaRPr>
-          </a:p>
-        </p:txBody>
-      </p:sp>
-      <p:sp>
-        <p:nvSpPr>
-          <p:cNvPr id="35" name="TextBox 34">
-            <a:extLst>
-              <a:ext uri="{FF2B5EF4-FFF2-40B4-BE49-F238E27FC236}">
-                <a16:creationId xmlns:a16="http://schemas.microsoft.com/office/drawing/2014/main" id="{EA6B5252-4515-4FE6-8250-EFBC9E2E1112}"/>
-              </a:ext>
-            </a:extLst>
-          </p:cNvPr>
-          <p:cNvSpPr txBox="1"/>
-          <p:nvPr/>
-        </p:nvSpPr>
-        <p:spPr>
-          <a:xfrm>
-            <a:off x="4295795" y="2333434"/>
-            <a:ext cx="464723" cy="400110"/>
-          </a:xfrm>
-          <a:prstGeom prst="rect">
-            <a:avLst/>
-          </a:prstGeom>
-          <a:noFill/>
-        </p:spPr>
-        <p:txBody>
-          <a:bodyPr wrap="square" rtlCol="0">
-            <a:spAutoFit/>
-          </a:bodyPr>
-          <a:lstStyle/>
-          <a:p>
-            <a:r>
-              <a:rPr lang="en-US" sz="2000" dirty="0">
-                <a:cs typeface="Times New Roman" panose="02020603050405020304" pitchFamily="18" charset="0"/>
-              </a:rPr>
-              <a:t>30</a:t>
-            </a:r>
-            <a:endParaRPr lang="en-US" dirty="0">
-              <a:cs typeface="Times New Roman" panose="02020603050405020304" pitchFamily="18" charset="0"/>
-            </a:endParaRPr>
-          </a:p>
-        </p:txBody>
-      </p:sp>
-      <p:sp>
-        <p:nvSpPr>
-          <p:cNvPr id="36" name="TextBox 35">
-            <a:extLst>
-              <a:ext uri="{FF2B5EF4-FFF2-40B4-BE49-F238E27FC236}">
-                <a16:creationId xmlns:a16="http://schemas.microsoft.com/office/drawing/2014/main" id="{0D139548-DCD4-4C92-97AD-55992442D4F7}"/>
-              </a:ext>
-            </a:extLst>
-          </p:cNvPr>
-          <p:cNvSpPr txBox="1"/>
-          <p:nvPr/>
-        </p:nvSpPr>
-        <p:spPr>
-          <a:xfrm>
-            <a:off x="6453746" y="1734096"/>
-            <a:ext cx="464723" cy="400110"/>
-          </a:xfrm>
-          <a:prstGeom prst="rect">
-            <a:avLst/>
-          </a:prstGeom>
-          <a:noFill/>
-        </p:spPr>
-        <p:txBody>
-          <a:bodyPr wrap="square" rtlCol="0">
-            <a:spAutoFit/>
-          </a:bodyPr>
-          <a:lstStyle/>
-          <a:p>
-            <a:r>
-              <a:rPr lang="en-US" sz="2000" dirty="0">
-                <a:cs typeface="Times New Roman" panose="02020603050405020304" pitchFamily="18" charset="0"/>
-              </a:rPr>
-              <a:t>30</a:t>
-            </a:r>
-            <a:endParaRPr lang="en-US" dirty="0">
-              <a:cs typeface="Times New Roman" panose="02020603050405020304" pitchFamily="18" charset="0"/>
-            </a:endParaRPr>
-          </a:p>
-        </p:txBody>
-      </p:sp>
-    </p:spTree>
-    <p:extLst>
-      <p:ext uri="{BB962C8B-B14F-4D97-AF65-F5344CB8AC3E}">
-        <p14:creationId xmlns:p14="http://schemas.microsoft.com/office/powerpoint/2010/main" val="2183253832"/>
-      </p:ext>
-    </p:extLst>
-  </p:cSld>
-  <p:clrMapOvr>
-    <a:masterClrMapping/>
-  </p:clrMapOvr>
-</p:sld>
-</file>
-
-<file path=ppt/slides/slide5.xml><?xml version="1.0" encoding="utf-8"?>
 <p:sld xmlns:a="http://schemas.openxmlformats.org/drawingml/2006/main" xmlns:r="http://schemas.openxmlformats.org/officeDocument/2006/relationships" xmlns:p="http://schemas.openxmlformats.org/presentationml/2006/main">
   <p:cSld>
     <p:spTree>
